--- a/BrainPPT.pptx
+++ b/BrainPPT.pptx
@@ -10,16 +10,15 @@
     <p:sldId id="256" r:id="rId4"/>
     <p:sldId id="262" r:id="rId5"/>
     <p:sldId id="263" r:id="rId6"/>
-    <p:sldId id="271" r:id="rId7"/>
-    <p:sldId id="265" r:id="rId8"/>
+    <p:sldId id="265" r:id="rId7"/>
+    <p:sldId id="272" r:id="rId8"/>
     <p:sldId id="266" r:id="rId9"/>
     <p:sldId id="267" r:id="rId10"/>
-    <p:sldId id="268" r:id="rId11"/>
-    <p:sldId id="269" r:id="rId12"/>
-    <p:sldId id="270" r:id="rId13"/>
+    <p:sldId id="269" r:id="rId11"/>
+    <p:sldId id="270" r:id="rId12"/>
   </p:sldIdLst>
   <p:sldSz cx="12192000" cy="6858000"/>
-  <p:notesSz cx="7315200" cy="9601200"/>
+  <p:notesSz cx="9137650" cy="11960225"/>
   <p:defaultTextStyle>
     <a:defPPr>
       <a:defRPr lang="en-US"/>
@@ -270,7 +269,7 @@
           <a:p>
             <a:fld id="{3ABED637-C713-483E-B417-4430D474CFDC}" type="datetimeFigureOut">
               <a:rPr lang="en-US" smtClean="0"/>
-              <a:t>5/23/2021</a:t>
+              <a:t>5/25/2021</a:t>
             </a:fld>
             <a:endParaRPr lang="en-US"/>
           </a:p>
@@ -468,7 +467,7 @@
           <a:p>
             <a:fld id="{3ABED637-C713-483E-B417-4430D474CFDC}" type="datetimeFigureOut">
               <a:rPr lang="en-US" smtClean="0"/>
-              <a:t>5/23/2021</a:t>
+              <a:t>5/25/2021</a:t>
             </a:fld>
             <a:endParaRPr lang="en-US"/>
           </a:p>
@@ -676,7 +675,7 @@
           <a:p>
             <a:fld id="{3ABED637-C713-483E-B417-4430D474CFDC}" type="datetimeFigureOut">
               <a:rPr lang="en-US" smtClean="0"/>
-              <a:t>5/23/2021</a:t>
+              <a:t>5/25/2021</a:t>
             </a:fld>
             <a:endParaRPr lang="en-US"/>
           </a:p>
@@ -874,7 +873,7 @@
           <a:p>
             <a:fld id="{3ABED637-C713-483E-B417-4430D474CFDC}" type="datetimeFigureOut">
               <a:rPr lang="en-US" smtClean="0"/>
-              <a:t>5/23/2021</a:t>
+              <a:t>5/25/2021</a:t>
             </a:fld>
             <a:endParaRPr lang="en-US"/>
           </a:p>
@@ -1149,7 +1148,7 @@
           <a:p>
             <a:fld id="{3ABED637-C713-483E-B417-4430D474CFDC}" type="datetimeFigureOut">
               <a:rPr lang="en-US" smtClean="0"/>
-              <a:t>5/23/2021</a:t>
+              <a:t>5/25/2021</a:t>
             </a:fld>
             <a:endParaRPr lang="en-US"/>
           </a:p>
@@ -1414,7 +1413,7 @@
           <a:p>
             <a:fld id="{3ABED637-C713-483E-B417-4430D474CFDC}" type="datetimeFigureOut">
               <a:rPr lang="en-US" smtClean="0"/>
-              <a:t>5/23/2021</a:t>
+              <a:t>5/25/2021</a:t>
             </a:fld>
             <a:endParaRPr lang="en-US"/>
           </a:p>
@@ -1826,7 +1825,7 @@
           <a:p>
             <a:fld id="{3ABED637-C713-483E-B417-4430D474CFDC}" type="datetimeFigureOut">
               <a:rPr lang="en-US" smtClean="0"/>
-              <a:t>5/23/2021</a:t>
+              <a:t>5/25/2021</a:t>
             </a:fld>
             <a:endParaRPr lang="en-US"/>
           </a:p>
@@ -1967,7 +1966,7 @@
           <a:p>
             <a:fld id="{3ABED637-C713-483E-B417-4430D474CFDC}" type="datetimeFigureOut">
               <a:rPr lang="en-US" smtClean="0"/>
-              <a:t>5/23/2021</a:t>
+              <a:t>5/25/2021</a:t>
             </a:fld>
             <a:endParaRPr lang="en-US"/>
           </a:p>
@@ -2080,7 +2079,7 @@
           <a:p>
             <a:fld id="{3ABED637-C713-483E-B417-4430D474CFDC}" type="datetimeFigureOut">
               <a:rPr lang="en-US" smtClean="0"/>
-              <a:t>5/23/2021</a:t>
+              <a:t>5/25/2021</a:t>
             </a:fld>
             <a:endParaRPr lang="en-US"/>
           </a:p>
@@ -2391,7 +2390,7 @@
           <a:p>
             <a:fld id="{3ABED637-C713-483E-B417-4430D474CFDC}" type="datetimeFigureOut">
               <a:rPr lang="en-US" smtClean="0"/>
-              <a:t>5/23/2021</a:t>
+              <a:t>5/25/2021</a:t>
             </a:fld>
             <a:endParaRPr lang="en-US"/>
           </a:p>
@@ -2679,7 +2678,7 @@
           <a:p>
             <a:fld id="{3ABED637-C713-483E-B417-4430D474CFDC}" type="datetimeFigureOut">
               <a:rPr lang="en-US" smtClean="0"/>
-              <a:t>5/23/2021</a:t>
+              <a:t>5/25/2021</a:t>
             </a:fld>
             <a:endParaRPr lang="en-US"/>
           </a:p>
@@ -2920,7 +2919,7 @@
           <a:p>
             <a:fld id="{3ABED637-C713-483E-B417-4430D474CFDC}" type="datetimeFigureOut">
               <a:rPr lang="en-US" smtClean="0"/>
-              <a:t>5/23/2021</a:t>
+              <a:t>5/25/2021</a:t>
             </a:fld>
             <a:endParaRPr lang="en-US"/>
           </a:p>
@@ -6924,7 +6923,7 @@
                 </a:solidFill>
                 <a:latin typeface="+mn-lt"/>
               </a:rPr>
-              <a:t>Frontend</a:t>
+              <a:t>Heroku Deployment</a:t>
             </a:r>
           </a:p>
         </p:txBody>
@@ -7070,9 +7069,9 @@
         <p:grpSpPr>
           <a:xfrm>
             <a:off x="1272838" y="3479539"/>
-            <a:ext cx="4829182" cy="1474819"/>
+            <a:ext cx="4829182" cy="1167042"/>
             <a:chOff x="8921977" y="1466725"/>
-            <a:chExt cx="2926080" cy="1474819"/>
+            <a:chExt cx="2926080" cy="1167042"/>
           </a:xfrm>
         </p:grpSpPr>
         <p:sp>
@@ -7112,7 +7111,7 @@
                     </a:schemeClr>
                   </a:solidFill>
                 </a:rPr>
-                <a:t>Lorem ipsum</a:t>
+                <a:t>app.py file</a:t>
               </a:r>
               <a:endParaRPr lang="en-US" sz="2400" b="1" noProof="1"/>
             </a:p>
@@ -7133,7 +7132,7 @@
           <p:spPr>
             <a:xfrm>
               <a:off x="8921977" y="1925881"/>
-              <a:ext cx="2926080" cy="1015663"/>
+              <a:ext cx="2926080" cy="707886"/>
             </a:xfrm>
             <a:prstGeom prst="rect">
               <a:avLst/>
@@ -7146,7 +7145,10 @@
             </a:bodyPr>
             <a:lstStyle/>
             <a:p>
-              <a:pPr algn="just"/>
+              <a:pPr marL="342900" indent="-342900" algn="just">
+                <a:buFont typeface="Courier New" panose="02070309020205020404" pitchFamily="49" charset="0"/>
+                <a:buChar char="o"/>
+              </a:pPr>
               <a:r>
                 <a:rPr lang="en-US" sz="2000" noProof="1">
                   <a:solidFill>
@@ -7156,7 +7158,24 @@
                     </a:schemeClr>
                   </a:solidFill>
                 </a:rPr>
-                <a:t>Lorem ipsum dolor sit amet, nibh est. A magna maecenas, quam magna nec quis, lorem nunc. Suspendisse viverra sodales mauris, cras</a:t>
+                <a:t>Create routes for each webpage</a:t>
+              </a:r>
+            </a:p>
+            <a:p>
+              <a:pPr marL="342900" indent="-342900" algn="just">
+                <a:buFont typeface="Courier New" panose="02070309020205020404" pitchFamily="49" charset="0"/>
+                <a:buChar char="o"/>
+              </a:pPr>
+              <a:r>
+                <a:rPr lang="en-US" sz="2000" noProof="1">
+                  <a:solidFill>
+                    <a:schemeClr val="tx1">
+                      <a:lumMod val="65000"/>
+                      <a:lumOff val="35000"/>
+                    </a:schemeClr>
+                  </a:solidFill>
+                </a:rPr>
+                <a:t>Reference each html file correctly</a:t>
               </a:r>
             </a:p>
           </p:txBody>
@@ -7177,9 +7196,9 @@
         <p:grpSpPr>
           <a:xfrm>
             <a:off x="1272838" y="5184633"/>
-            <a:ext cx="4829182" cy="1474819"/>
+            <a:ext cx="4829182" cy="1167042"/>
             <a:chOff x="8921977" y="4073386"/>
-            <a:chExt cx="2926080" cy="1474819"/>
+            <a:chExt cx="2926080" cy="1167042"/>
           </a:xfrm>
         </p:grpSpPr>
         <p:sp>
@@ -7219,7 +7238,7 @@
                     </a:schemeClr>
                   </a:solidFill>
                 </a:rPr>
-                <a:t>Lorem ipsum</a:t>
+                <a:t>app.py and setupdb.py files</a:t>
               </a:r>
               <a:endParaRPr lang="en-US" sz="2400" b="1" noProof="1"/>
             </a:p>
@@ -7240,7 +7259,7 @@
           <p:spPr>
             <a:xfrm>
               <a:off x="8921977" y="4532542"/>
-              <a:ext cx="2926080" cy="1015663"/>
+              <a:ext cx="2926080" cy="707886"/>
             </a:xfrm>
             <a:prstGeom prst="rect">
               <a:avLst/>
@@ -7253,7 +7272,10 @@
             </a:bodyPr>
             <a:lstStyle/>
             <a:p>
-              <a:pPr algn="just"/>
+              <a:pPr marL="342900" indent="-342900">
+                <a:buFont typeface="Courier New" panose="02070309020205020404" pitchFamily="49" charset="0"/>
+                <a:buChar char="o"/>
+              </a:pPr>
               <a:r>
                 <a:rPr lang="en-US" sz="2000" noProof="1">
                   <a:solidFill>
@@ -7263,7 +7285,7 @@
                     </a:schemeClr>
                   </a:solidFill>
                 </a:rPr>
-                <a:t>Lorem ipsum dolor sit amet, nibh est. A magna maecenas, quam magna nec quis, lorem nunc. Suspendisse viverra sodales mauris, cras</a:t>
+                <a:t>Create correct/matching database url to communicate with the deployed database</a:t>
               </a:r>
             </a:p>
           </p:txBody>
@@ -7326,7 +7348,7 @@
                     </a:schemeClr>
                   </a:solidFill>
                 </a:rPr>
-                <a:t>Lorem ipsum</a:t>
+                <a:t>Create Database on Heroku</a:t>
               </a:r>
               <a:endParaRPr lang="en-US" sz="2400" b="1" noProof="1"/>
             </a:p>
@@ -7370,718 +7392,19 @@
                     </a:schemeClr>
                   </a:solidFill>
                 </a:rPr>
-                <a:t>Lorem ipsum dolor sit amet, nibh est. A magna maecenas, quam magna nec quis, lorem nunc. Suspendisse viverra sodales mauris, cras</a:t>
+                <a:t>Python script creates database on Heroku when time to complete deployement</a:t>
               </a:r>
             </a:p>
-          </p:txBody>
-        </p:sp>
-      </p:grpSp>
-      <p:sp>
-        <p:nvSpPr>
-          <p:cNvPr id="19" name="Rectangle 18">
-            <a:extLst>
-              <a:ext uri="{FF2B5EF4-FFF2-40B4-BE49-F238E27FC236}">
-                <a16:creationId xmlns:a16="http://schemas.microsoft.com/office/drawing/2014/main" id="{B5F36F88-94B4-4AB6-9EFA-66E25F977B35}"/>
-              </a:ext>
-            </a:extLst>
-          </p:cNvPr>
-          <p:cNvSpPr/>
-          <p:nvPr/>
-        </p:nvSpPr>
-        <p:spPr>
-          <a:xfrm>
-            <a:off x="6748441" y="1832962"/>
-            <a:ext cx="5089063" cy="4826490"/>
-          </a:xfrm>
-          <a:prstGeom prst="rect">
-            <a:avLst/>
-          </a:prstGeom>
-        </p:spPr>
-        <p:style>
-          <a:lnRef idx="2">
-            <a:schemeClr val="accent1">
-              <a:shade val="50000"/>
-            </a:schemeClr>
-          </a:lnRef>
-          <a:fillRef idx="1">
-            <a:schemeClr val="accent1"/>
-          </a:fillRef>
-          <a:effectRef idx="0">
-            <a:schemeClr val="accent1"/>
-          </a:effectRef>
-          <a:fontRef idx="minor">
-            <a:schemeClr val="lt1"/>
-          </a:fontRef>
-        </p:style>
-        <p:txBody>
-          <a:bodyPr rtlCol="0" anchor="ctr"/>
-          <a:lstStyle/>
-          <a:p>
-            <a:pPr algn="ctr"/>
-            <a:endParaRPr lang="en-US"/>
-          </a:p>
-        </p:txBody>
-      </p:sp>
-      <p:sp>
-        <p:nvSpPr>
-          <p:cNvPr id="20" name="TextBox 19">
-            <a:extLst>
-              <a:ext uri="{FF2B5EF4-FFF2-40B4-BE49-F238E27FC236}">
-                <a16:creationId xmlns:a16="http://schemas.microsoft.com/office/drawing/2014/main" id="{E8D74F5E-1FA7-4EE9-9EB8-338636F6B35D}"/>
-              </a:ext>
-            </a:extLst>
-          </p:cNvPr>
-          <p:cNvSpPr txBox="1"/>
-          <p:nvPr/>
-        </p:nvSpPr>
-        <p:spPr>
-          <a:xfrm>
-            <a:off x="6887817" y="2189749"/>
-            <a:ext cx="4689806" cy="369332"/>
-          </a:xfrm>
-          <a:prstGeom prst="rect">
-            <a:avLst/>
-          </a:prstGeom>
-          <a:noFill/>
-        </p:spPr>
-        <p:txBody>
-          <a:bodyPr wrap="square" rtlCol="0">
-            <a:spAutoFit/>
-          </a:bodyPr>
-          <a:lstStyle/>
-          <a:p>
-            <a:pPr algn="ctr"/>
-            <a:r>
-              <a:rPr lang="en-US" dirty="0"/>
-              <a:t>Add Visualization</a:t>
-            </a:r>
-          </a:p>
-        </p:txBody>
-      </p:sp>
-    </p:spTree>
-    <p:extLst>
-      <p:ext uri="{BB962C8B-B14F-4D97-AF65-F5344CB8AC3E}">
-        <p14:creationId xmlns:p14="http://schemas.microsoft.com/office/powerpoint/2010/main" val="796301968"/>
-      </p:ext>
-    </p:extLst>
-  </p:cSld>
-  <p:clrMapOvr>
-    <a:masterClrMapping/>
-  </p:clrMapOvr>
-</p:sld>
-</file>
-
-<file path=ppt/slides/slide11.xml><?xml version="1.0" encoding="utf-8"?>
-<p:sld xmlns:a="http://schemas.openxmlformats.org/drawingml/2006/main" xmlns:r="http://schemas.openxmlformats.org/officeDocument/2006/relationships" xmlns:p="http://schemas.openxmlformats.org/presentationml/2006/main">
-  <p:cSld>
-    <p:bg>
-      <p:bgPr>
-        <a:solidFill>
-          <a:srgbClr val="EFEDEE"/>
-        </a:solidFill>
-        <a:effectLst/>
-      </p:bgPr>
-    </p:bg>
-    <p:spTree>
-      <p:nvGrpSpPr>
-        <p:cNvPr id="1" name=""/>
-        <p:cNvGrpSpPr/>
-        <p:nvPr/>
-      </p:nvGrpSpPr>
-      <p:grpSpPr>
-        <a:xfrm>
-          <a:off x="0" y="0"/>
-          <a:ext cx="0" cy="0"/>
-          <a:chOff x="0" y="0"/>
-          <a:chExt cx="0" cy="0"/>
-        </a:xfrm>
-      </p:grpSpPr>
-      <p:sp>
-        <p:nvSpPr>
-          <p:cNvPr id="2" name="Rectangle 1">
-            <a:extLst>
-              <a:ext uri="{FF2B5EF4-FFF2-40B4-BE49-F238E27FC236}">
-                <a16:creationId xmlns:a16="http://schemas.microsoft.com/office/drawing/2014/main" id="{79C18F79-377C-43B0-B741-FA505A4F0FF4}"/>
-              </a:ext>
-            </a:extLst>
-          </p:cNvPr>
-          <p:cNvSpPr/>
-          <p:nvPr/>
-        </p:nvSpPr>
-        <p:spPr>
-          <a:xfrm>
-            <a:off x="-66675" y="-102637"/>
-            <a:ext cx="12392025" cy="1624887"/>
-          </a:xfrm>
-          <a:prstGeom prst="rect">
-            <a:avLst/>
-          </a:prstGeom>
-          <a:solidFill>
-            <a:srgbClr val="323A45"/>
-          </a:solidFill>
-        </p:spPr>
-        <p:style>
-          <a:lnRef idx="2">
-            <a:schemeClr val="accent1">
-              <a:shade val="50000"/>
-            </a:schemeClr>
-          </a:lnRef>
-          <a:fillRef idx="1">
-            <a:schemeClr val="accent1"/>
-          </a:fillRef>
-          <a:effectRef idx="0">
-            <a:schemeClr val="accent1"/>
-          </a:effectRef>
-          <a:fontRef idx="minor">
-            <a:schemeClr val="lt1"/>
-          </a:fontRef>
-        </p:style>
-        <p:txBody>
-          <a:bodyPr rtlCol="0" anchor="ctr"/>
-          <a:lstStyle/>
-          <a:p>
-            <a:pPr algn="ctr"/>
-            <a:endParaRPr lang="en-US"/>
-          </a:p>
-        </p:txBody>
-      </p:sp>
-      <p:pic>
-        <p:nvPicPr>
-          <p:cNvPr id="4" name="Picture 3">
-            <a:extLst>
-              <a:ext uri="{FF2B5EF4-FFF2-40B4-BE49-F238E27FC236}">
-                <a16:creationId xmlns:a16="http://schemas.microsoft.com/office/drawing/2014/main" id="{9BCE8E9D-FE27-4C87-A95D-700BB04BD018}"/>
-              </a:ext>
-            </a:extLst>
-          </p:cNvPr>
-          <p:cNvPicPr>
-            <a:picLocks noChangeAspect="1"/>
-          </p:cNvPicPr>
-          <p:nvPr/>
-        </p:nvPicPr>
-        <p:blipFill>
-          <a:blip r:embed="rId2" cstate="screen">
-            <a:extLst>
-              <a:ext uri="{28A0092B-C50C-407E-A947-70E740481C1C}">
-                <a14:useLocalDpi xmlns:a14="http://schemas.microsoft.com/office/drawing/2010/main"/>
-              </a:ext>
-            </a:extLst>
-          </a:blip>
-          <a:stretch>
-            <a:fillRect/>
-          </a:stretch>
-        </p:blipFill>
-        <p:spPr>
-          <a:xfrm>
-            <a:off x="108146" y="128010"/>
-            <a:ext cx="1076841" cy="1214677"/>
-          </a:xfrm>
-          <a:prstGeom prst="rect">
-            <a:avLst/>
-          </a:prstGeom>
-        </p:spPr>
-      </p:pic>
-      <p:sp>
-        <p:nvSpPr>
-          <p:cNvPr id="5" name="Title 1">
-            <a:extLst>
-              <a:ext uri="{FF2B5EF4-FFF2-40B4-BE49-F238E27FC236}">
-                <a16:creationId xmlns:a16="http://schemas.microsoft.com/office/drawing/2014/main" id="{BD812AD8-BE61-4582-BF3B-E0E4548AEC57}"/>
-              </a:ext>
-            </a:extLst>
-          </p:cNvPr>
-          <p:cNvSpPr txBox="1">
-            <a:spLocks/>
-          </p:cNvSpPr>
-          <p:nvPr/>
-        </p:nvSpPr>
-        <p:spPr>
-          <a:xfrm>
-            <a:off x="1359808" y="340762"/>
-            <a:ext cx="9323743" cy="739056"/>
-          </a:xfrm>
-          <a:prstGeom prst="rect">
-            <a:avLst/>
-          </a:prstGeom>
-        </p:spPr>
-        <p:txBody>
-          <a:bodyPr/>
-          <a:lstStyle>
-            <a:lvl1pPr algn="l" defTabSz="914400" rtl="0" eaLnBrk="1" latinLnBrk="0" hangingPunct="1">
-              <a:lnSpc>
-                <a:spcPct val="90000"/>
-              </a:lnSpc>
-              <a:spcBef>
-                <a:spcPct val="0"/>
-              </a:spcBef>
-              <a:buNone/>
-              <a:defRPr sz="4400" kern="1200">
-                <a:solidFill>
-                  <a:schemeClr val="tx1"/>
-                </a:solidFill>
-                <a:latin typeface="+mj-lt"/>
-                <a:ea typeface="+mj-ea"/>
-                <a:cs typeface="+mj-cs"/>
-              </a:defRPr>
-            </a:lvl1pPr>
-          </a:lstStyle>
-          <a:p>
-            <a:pPr algn="ctr"/>
-            <a:r>
-              <a:rPr lang="en-US" sz="6000" dirty="0">
-                <a:solidFill>
-                  <a:schemeClr val="bg1"/>
-                </a:solidFill>
-                <a:latin typeface="+mn-lt"/>
-              </a:rPr>
-              <a:t>Deployment</a:t>
-            </a:r>
-          </a:p>
-        </p:txBody>
-      </p:sp>
-      <p:sp>
-        <p:nvSpPr>
-          <p:cNvPr id="6" name="Circle">
-            <a:extLst>
-              <a:ext uri="{FF2B5EF4-FFF2-40B4-BE49-F238E27FC236}">
-                <a16:creationId xmlns:a16="http://schemas.microsoft.com/office/drawing/2014/main" id="{88BBDAA0-5CA5-4A84-B3AE-B43022F166C0}"/>
-              </a:ext>
-            </a:extLst>
-          </p:cNvPr>
-          <p:cNvSpPr/>
-          <p:nvPr/>
-        </p:nvSpPr>
-        <p:spPr>
-          <a:xfrm>
-            <a:off x="613244" y="3519739"/>
-            <a:ext cx="356787" cy="356787"/>
-          </a:xfrm>
-          <a:prstGeom prst="ellipse">
-            <a:avLst/>
-          </a:prstGeom>
-          <a:solidFill>
-            <a:schemeClr val="accent4"/>
-          </a:solidFill>
-          <a:ln w="12700">
-            <a:miter lim="400000"/>
-          </a:ln>
-        </p:spPr>
-        <p:txBody>
-          <a:bodyPr lIns="38100" tIns="38100" rIns="38100" bIns="38100" anchor="ctr"/>
-          <a:lstStyle/>
-          <a:p>
-            <a:pPr>
-              <a:defRPr sz="3000">
-                <a:solidFill>
-                  <a:srgbClr val="FFFFFF"/>
-                </a:solidFill>
-              </a:defRPr>
-            </a:pPr>
-            <a:endParaRPr/>
-          </a:p>
-        </p:txBody>
-      </p:sp>
-      <p:sp>
-        <p:nvSpPr>
-          <p:cNvPr id="7" name="Circle">
-            <a:extLst>
-              <a:ext uri="{FF2B5EF4-FFF2-40B4-BE49-F238E27FC236}">
-                <a16:creationId xmlns:a16="http://schemas.microsoft.com/office/drawing/2014/main" id="{A0369040-A77E-402D-9076-D75284E03E76}"/>
-              </a:ext>
-            </a:extLst>
-          </p:cNvPr>
-          <p:cNvSpPr/>
-          <p:nvPr/>
-        </p:nvSpPr>
-        <p:spPr>
-          <a:xfrm>
-            <a:off x="614377" y="5287167"/>
-            <a:ext cx="356787" cy="356787"/>
-          </a:xfrm>
-          <a:prstGeom prst="ellipse">
-            <a:avLst/>
-          </a:prstGeom>
-          <a:solidFill>
-            <a:schemeClr val="accent3"/>
-          </a:solidFill>
-          <a:ln w="12700">
-            <a:miter lim="400000"/>
-          </a:ln>
-        </p:spPr>
-        <p:txBody>
-          <a:bodyPr lIns="38100" tIns="38100" rIns="38100" bIns="38100" anchor="ctr"/>
-          <a:lstStyle/>
-          <a:p>
-            <a:pPr>
-              <a:defRPr sz="3000">
-                <a:solidFill>
-                  <a:srgbClr val="FFFFFF"/>
-                </a:solidFill>
-              </a:defRPr>
-            </a:pPr>
-            <a:endParaRPr/>
-          </a:p>
-        </p:txBody>
-      </p:sp>
-      <p:sp>
-        <p:nvSpPr>
-          <p:cNvPr id="8" name="Circle">
-            <a:extLst>
-              <a:ext uri="{FF2B5EF4-FFF2-40B4-BE49-F238E27FC236}">
-                <a16:creationId xmlns:a16="http://schemas.microsoft.com/office/drawing/2014/main" id="{8F2F7E22-CAEB-45F3-B357-264DFFDD5281}"/>
-              </a:ext>
-            </a:extLst>
-          </p:cNvPr>
-          <p:cNvSpPr/>
-          <p:nvPr/>
-        </p:nvSpPr>
-        <p:spPr>
-          <a:xfrm>
-            <a:off x="609149" y="1832962"/>
-            <a:ext cx="356787" cy="356787"/>
-          </a:xfrm>
-          <a:prstGeom prst="ellipse">
-            <a:avLst/>
-          </a:prstGeom>
-          <a:solidFill>
-            <a:schemeClr val="accent1"/>
-          </a:solidFill>
-          <a:ln w="12700">
-            <a:miter lim="400000"/>
-          </a:ln>
-        </p:spPr>
-        <p:txBody>
-          <a:bodyPr lIns="38100" tIns="38100" rIns="38100" bIns="38100" anchor="ctr"/>
-          <a:lstStyle/>
-          <a:p>
-            <a:pPr>
-              <a:defRPr sz="3000">
-                <a:solidFill>
-                  <a:srgbClr val="FFFFFF"/>
-                </a:solidFill>
-              </a:defRPr>
-            </a:pPr>
-            <a:endParaRPr/>
-          </a:p>
-        </p:txBody>
-      </p:sp>
-      <p:grpSp>
-        <p:nvGrpSpPr>
-          <p:cNvPr id="9" name="Group 8">
-            <a:extLst>
-              <a:ext uri="{FF2B5EF4-FFF2-40B4-BE49-F238E27FC236}">
-                <a16:creationId xmlns:a16="http://schemas.microsoft.com/office/drawing/2014/main" id="{10BB2742-8F79-4B24-B5A2-4D30633A1CA5}"/>
-              </a:ext>
-            </a:extLst>
-          </p:cNvPr>
-          <p:cNvGrpSpPr/>
-          <p:nvPr/>
-        </p:nvGrpSpPr>
-        <p:grpSpPr>
-          <a:xfrm>
-            <a:off x="1272838" y="3479539"/>
-            <a:ext cx="4829182" cy="1474819"/>
-            <a:chOff x="8921977" y="1466725"/>
-            <a:chExt cx="2926080" cy="1474819"/>
-          </a:xfrm>
-        </p:grpSpPr>
-        <p:sp>
-          <p:nvSpPr>
-            <p:cNvPr id="10" name="TextBox 9">
-              <a:extLst>
-                <a:ext uri="{FF2B5EF4-FFF2-40B4-BE49-F238E27FC236}">
-                  <a16:creationId xmlns:a16="http://schemas.microsoft.com/office/drawing/2014/main" id="{AB43F3B8-204D-4F94-A572-ED75489ED6B3}"/>
-                </a:ext>
-              </a:extLst>
-            </p:cNvPr>
-            <p:cNvSpPr txBox="1"/>
-            <p:nvPr/>
-          </p:nvSpPr>
-          <p:spPr>
-            <a:xfrm>
-              <a:off x="8921977" y="1466725"/>
-              <a:ext cx="2926080" cy="461665"/>
-            </a:xfrm>
-            <a:prstGeom prst="rect">
-              <a:avLst/>
-            </a:prstGeom>
-            <a:noFill/>
-          </p:spPr>
-          <p:txBody>
-            <a:bodyPr wrap="square" lIns="0" rIns="0" rtlCol="0" anchor="b">
-              <a:spAutoFit/>
-            </a:bodyPr>
-            <a:lstStyle/>
-            <a:p>
-              <a:r>
-                <a:rPr lang="en-US" sz="2400" b="1" noProof="1">
-                  <a:solidFill>
-                    <a:schemeClr val="tx1">
-                      <a:lumMod val="65000"/>
-                      <a:lumOff val="35000"/>
-                    </a:schemeClr>
-                  </a:solidFill>
-                </a:rPr>
-                <a:t>Lorem ipsum</a:t>
-              </a:r>
-              <a:endParaRPr lang="en-US" sz="2400" b="1" noProof="1"/>
-            </a:p>
-          </p:txBody>
-        </p:sp>
-        <p:sp>
-          <p:nvSpPr>
-            <p:cNvPr id="11" name="TextBox 10">
-              <a:extLst>
-                <a:ext uri="{FF2B5EF4-FFF2-40B4-BE49-F238E27FC236}">
-                  <a16:creationId xmlns:a16="http://schemas.microsoft.com/office/drawing/2014/main" id="{2B69CDFD-404F-48FB-A38A-6BBA3B689F1C}"/>
-                </a:ext>
-              </a:extLst>
-            </p:cNvPr>
-            <p:cNvSpPr txBox="1"/>
-            <p:nvPr/>
-          </p:nvSpPr>
-          <p:spPr>
-            <a:xfrm>
-              <a:off x="8921977" y="1925881"/>
-              <a:ext cx="2926080" cy="1015663"/>
-            </a:xfrm>
-            <a:prstGeom prst="rect">
-              <a:avLst/>
-            </a:prstGeom>
-            <a:noFill/>
-          </p:spPr>
-          <p:txBody>
-            <a:bodyPr wrap="square" lIns="0" rIns="0" rtlCol="0" anchor="t">
-              <a:spAutoFit/>
-            </a:bodyPr>
-            <a:lstStyle/>
             <a:p>
               <a:pPr algn="just"/>
-              <a:r>
-                <a:rPr lang="en-US" sz="2000" noProof="1">
-                  <a:solidFill>
-                    <a:schemeClr val="tx1">
-                      <a:lumMod val="65000"/>
-                      <a:lumOff val="35000"/>
-                    </a:schemeClr>
-                  </a:solidFill>
-                </a:rPr>
-                <a:t>Lorem ipsum dolor sit amet, nibh est. A magna maecenas, quam magna nec quis, lorem nunc. Suspendisse viverra sodales mauris, cras</a:t>
-              </a:r>
-            </a:p>
-          </p:txBody>
-        </p:sp>
-      </p:grpSp>
-      <p:grpSp>
-        <p:nvGrpSpPr>
-          <p:cNvPr id="12" name="Group 11">
-            <a:extLst>
-              <a:ext uri="{FF2B5EF4-FFF2-40B4-BE49-F238E27FC236}">
-                <a16:creationId xmlns:a16="http://schemas.microsoft.com/office/drawing/2014/main" id="{F704EF55-053F-4B9C-BF55-9ED55D9919F3}"/>
-              </a:ext>
-            </a:extLst>
-          </p:cNvPr>
-          <p:cNvGrpSpPr/>
-          <p:nvPr/>
-        </p:nvGrpSpPr>
-        <p:grpSpPr>
-          <a:xfrm>
-            <a:off x="1272838" y="5184633"/>
-            <a:ext cx="4829182" cy="1474819"/>
-            <a:chOff x="8921977" y="4073386"/>
-            <a:chExt cx="2926080" cy="1474819"/>
-          </a:xfrm>
-        </p:grpSpPr>
-        <p:sp>
-          <p:nvSpPr>
-            <p:cNvPr id="13" name="TextBox 12">
-              <a:extLst>
-                <a:ext uri="{FF2B5EF4-FFF2-40B4-BE49-F238E27FC236}">
-                  <a16:creationId xmlns:a16="http://schemas.microsoft.com/office/drawing/2014/main" id="{ADA713CA-15ED-468A-A889-62302D153DCC}"/>
-                </a:ext>
-              </a:extLst>
-            </p:cNvPr>
-            <p:cNvSpPr txBox="1"/>
-            <p:nvPr/>
-          </p:nvSpPr>
-          <p:spPr>
-            <a:xfrm>
-              <a:off x="8921977" y="4073386"/>
-              <a:ext cx="2926080" cy="461665"/>
-            </a:xfrm>
-            <a:prstGeom prst="rect">
-              <a:avLst/>
-            </a:prstGeom>
-            <a:noFill/>
-          </p:spPr>
-          <p:txBody>
-            <a:bodyPr wrap="square" lIns="0" rIns="0" rtlCol="0" anchor="b">
-              <a:spAutoFit/>
-            </a:bodyPr>
-            <a:lstStyle/>
-            <a:p>
-              <a:r>
-                <a:rPr lang="en-US" sz="2400" b="1" noProof="1">
-                  <a:solidFill>
-                    <a:schemeClr val="tx1">
-                      <a:lumMod val="65000"/>
-                      <a:lumOff val="35000"/>
-                    </a:schemeClr>
-                  </a:solidFill>
-                </a:rPr>
-                <a:t>Lorem ipsum</a:t>
-              </a:r>
-              <a:endParaRPr lang="en-US" sz="2400" b="1" noProof="1"/>
-            </a:p>
-          </p:txBody>
-        </p:sp>
-        <p:sp>
-          <p:nvSpPr>
-            <p:cNvPr id="14" name="TextBox 13">
-              <a:extLst>
-                <a:ext uri="{FF2B5EF4-FFF2-40B4-BE49-F238E27FC236}">
-                  <a16:creationId xmlns:a16="http://schemas.microsoft.com/office/drawing/2014/main" id="{D47B4B33-BEB0-494E-9928-73C90857F5DD}"/>
-                </a:ext>
-              </a:extLst>
-            </p:cNvPr>
-            <p:cNvSpPr txBox="1"/>
-            <p:nvPr/>
-          </p:nvSpPr>
-          <p:spPr>
-            <a:xfrm>
-              <a:off x="8921977" y="4532542"/>
-              <a:ext cx="2926080" cy="1015663"/>
-            </a:xfrm>
-            <a:prstGeom prst="rect">
-              <a:avLst/>
-            </a:prstGeom>
-            <a:noFill/>
-          </p:spPr>
-          <p:txBody>
-            <a:bodyPr wrap="square" lIns="0" rIns="0" rtlCol="0" anchor="t">
-              <a:spAutoFit/>
-            </a:bodyPr>
-            <a:lstStyle/>
-            <a:p>
-              <a:pPr algn="just"/>
-              <a:r>
-                <a:rPr lang="en-US" sz="2000" noProof="1">
-                  <a:solidFill>
-                    <a:schemeClr val="tx1">
-                      <a:lumMod val="65000"/>
-                      <a:lumOff val="35000"/>
-                    </a:schemeClr>
-                  </a:solidFill>
-                </a:rPr>
-                <a:t>Lorem ipsum dolor sit amet, nibh est. A magna maecenas, quam magna nec quis, lorem nunc. Suspendisse viverra sodales mauris, cras</a:t>
-              </a:r>
-            </a:p>
-          </p:txBody>
-        </p:sp>
-      </p:grpSp>
-      <p:grpSp>
-        <p:nvGrpSpPr>
-          <p:cNvPr id="15" name="Group 14">
-            <a:extLst>
-              <a:ext uri="{FF2B5EF4-FFF2-40B4-BE49-F238E27FC236}">
-                <a16:creationId xmlns:a16="http://schemas.microsoft.com/office/drawing/2014/main" id="{58CA7EFF-D509-4AE0-97B7-45A6FF8F24FC}"/>
-              </a:ext>
-            </a:extLst>
-          </p:cNvPr>
-          <p:cNvGrpSpPr/>
-          <p:nvPr/>
-        </p:nvGrpSpPr>
-        <p:grpSpPr>
-          <a:xfrm>
-            <a:off x="1272838" y="1774445"/>
-            <a:ext cx="4829182" cy="1474819"/>
-            <a:chOff x="8921977" y="1466725"/>
-            <a:chExt cx="2926080" cy="1474819"/>
-          </a:xfrm>
-        </p:grpSpPr>
-        <p:sp>
-          <p:nvSpPr>
-            <p:cNvPr id="16" name="TextBox 15">
-              <a:extLst>
-                <a:ext uri="{FF2B5EF4-FFF2-40B4-BE49-F238E27FC236}">
-                  <a16:creationId xmlns:a16="http://schemas.microsoft.com/office/drawing/2014/main" id="{0CD27702-D218-49B0-BB06-FBE60D5FAB03}"/>
-                </a:ext>
-              </a:extLst>
-            </p:cNvPr>
-            <p:cNvSpPr txBox="1"/>
-            <p:nvPr/>
-          </p:nvSpPr>
-          <p:spPr>
-            <a:xfrm>
-              <a:off x="8921977" y="1466725"/>
-              <a:ext cx="2926080" cy="461665"/>
-            </a:xfrm>
-            <a:prstGeom prst="rect">
-              <a:avLst/>
-            </a:prstGeom>
-            <a:noFill/>
-          </p:spPr>
-          <p:txBody>
-            <a:bodyPr wrap="square" lIns="0" rIns="0" rtlCol="0" anchor="b">
-              <a:spAutoFit/>
-            </a:bodyPr>
-            <a:lstStyle/>
-            <a:p>
-              <a:r>
-                <a:rPr lang="en-US" sz="2400" b="1" noProof="1">
-                  <a:solidFill>
-                    <a:schemeClr val="tx1">
-                      <a:lumMod val="65000"/>
-                      <a:lumOff val="35000"/>
-                    </a:schemeClr>
-                  </a:solidFill>
-                </a:rPr>
-                <a:t>Lorem ipsum</a:t>
-              </a:r>
-              <a:endParaRPr lang="en-US" sz="2400" b="1" noProof="1"/>
-            </a:p>
-          </p:txBody>
-        </p:sp>
-        <p:sp>
-          <p:nvSpPr>
-            <p:cNvPr id="17" name="TextBox 16">
-              <a:extLst>
-                <a:ext uri="{FF2B5EF4-FFF2-40B4-BE49-F238E27FC236}">
-                  <a16:creationId xmlns:a16="http://schemas.microsoft.com/office/drawing/2014/main" id="{09E7F81C-F569-4042-A746-8E163DEE95BB}"/>
-                </a:ext>
-              </a:extLst>
-            </p:cNvPr>
-            <p:cNvSpPr txBox="1"/>
-            <p:nvPr/>
-          </p:nvSpPr>
-          <p:spPr>
-            <a:xfrm>
-              <a:off x="8921977" y="1925881"/>
-              <a:ext cx="2926080" cy="1015663"/>
-            </a:xfrm>
-            <a:prstGeom prst="rect">
-              <a:avLst/>
-            </a:prstGeom>
-            <a:noFill/>
-          </p:spPr>
-          <p:txBody>
-            <a:bodyPr wrap="square" lIns="0" rIns="0" rtlCol="0" anchor="t">
-              <a:spAutoFit/>
-            </a:bodyPr>
-            <a:lstStyle/>
-            <a:p>
-              <a:pPr algn="just"/>
-              <a:r>
-                <a:rPr lang="en-US" sz="2000" noProof="1">
-                  <a:solidFill>
-                    <a:schemeClr val="tx1">
-                      <a:lumMod val="65000"/>
-                      <a:lumOff val="35000"/>
-                    </a:schemeClr>
-                  </a:solidFill>
-                </a:rPr>
-                <a:t>Lorem ipsum dolor sit amet, nibh est. A magna maecenas, quam magna nec quis, lorem nunc. Suspendisse viverra sodales mauris, cras</a:t>
-              </a:r>
+              <a:endParaRPr lang="en-US" sz="2000" noProof="1">
+                <a:solidFill>
+                  <a:schemeClr val="tx1">
+                    <a:lumMod val="65000"/>
+                    <a:lumOff val="35000"/>
+                  </a:schemeClr>
+                </a:solidFill>
+              </a:endParaRPr>
             </a:p>
           </p:txBody>
         </p:sp>
@@ -8129,7 +7452,7 @@
 </p:sld>
 </file>
 
-<file path=ppt/slides/slide12.xml><?xml version="1.0" encoding="utf-8"?>
+<file path=ppt/slides/slide11.xml><?xml version="1.0" encoding="utf-8"?>
 <p:sld xmlns:a="http://schemas.openxmlformats.org/drawingml/2006/main" xmlns:r="http://schemas.openxmlformats.org/officeDocument/2006/relationships" xmlns:p="http://schemas.openxmlformats.org/presentationml/2006/main">
   <p:cSld>
     <p:bg>
@@ -15937,7 +15260,7 @@
                     <a:schemeClr val="bg1"/>
                   </a:solidFill>
                 </a:rPr>
-                <a:t>Deployment</a:t>
+                <a:t>Heroku Deployment</a:t>
               </a:r>
             </a:p>
           </p:txBody>
@@ -19416,7 +18739,7 @@
                     </a:schemeClr>
                   </a:solidFill>
                 </a:rPr>
-                <a:t>HTML, CSS, JavaScript, Plotly, D3 </a:t>
+                <a:t>HTML, CSS, JavaScript, Plotly </a:t>
               </a:r>
             </a:p>
           </p:txBody>
@@ -19828,7 +19151,7 @@
                     </a:schemeClr>
                   </a:solidFill>
                 </a:rPr>
-                <a:t>HTML, CSS, JavaScript, Bootstrap, Plotly, D3 </a:t>
+                <a:t>HTML, CSS, JavaScript, Bootstrap,  Plotly, AnyChart </a:t>
               </a:r>
             </a:p>
           </p:txBody>
@@ -27919,7 +27242,7 @@
         <p:spPr>
           <a:xfrm>
             <a:off x="1432189" y="3502453"/>
-            <a:ext cx="3035036" cy="707886"/>
+            <a:ext cx="1556108" cy="707886"/>
           </a:xfrm>
           <a:prstGeom prst="rect">
             <a:avLst/>
@@ -27945,7 +27268,7 @@
                   </a:schemeClr>
                 </a:solidFill>
               </a:rPr>
-              <a:t>HTML, CSS, JavaScript</a:t>
+              <a:t>HTML</a:t>
             </a:r>
           </a:p>
           <a:p>
@@ -27962,7 +27285,7 @@
                   </a:schemeClr>
                 </a:solidFill>
               </a:rPr>
-              <a:t>Bootstrap</a:t>
+              <a:t>CSS</a:t>
             </a:r>
           </a:p>
         </p:txBody>
@@ -27981,7 +27304,7 @@
         </p:nvSpPr>
         <p:spPr>
           <a:xfrm>
-            <a:off x="5173630" y="3500272"/>
+            <a:off x="3404876" y="3443712"/>
             <a:ext cx="2018291" cy="707886"/>
           </a:xfrm>
           <a:prstGeom prst="rect">
@@ -28008,7 +27331,7 @@
                   </a:schemeClr>
                 </a:solidFill>
               </a:rPr>
-              <a:t>Plotly</a:t>
+              <a:t>JavaScript</a:t>
             </a:r>
           </a:p>
           <a:p>
@@ -28025,7 +27348,7 @@
                   </a:schemeClr>
                 </a:solidFill>
               </a:rPr>
-              <a:t>D3</a:t>
+              <a:t>Bootstrap</a:t>
             </a:r>
           </a:p>
         </p:txBody>
@@ -28254,6 +27577,69 @@
           </a:p>
         </p:txBody>
       </p:sp>
+      <p:sp>
+        <p:nvSpPr>
+          <p:cNvPr id="37" name="TextBox 36">
+            <a:extLst>
+              <a:ext uri="{FF2B5EF4-FFF2-40B4-BE49-F238E27FC236}">
+                <a16:creationId xmlns:a16="http://schemas.microsoft.com/office/drawing/2014/main" id="{8C07BDB8-DD73-4EF7-918D-CEBE3F34096E}"/>
+              </a:ext>
+            </a:extLst>
+          </p:cNvPr>
+          <p:cNvSpPr txBox="1"/>
+          <p:nvPr/>
+        </p:nvSpPr>
+        <p:spPr>
+          <a:xfrm>
+            <a:off x="5527482" y="3445280"/>
+            <a:ext cx="2018291" cy="707886"/>
+          </a:xfrm>
+          <a:prstGeom prst="rect">
+            <a:avLst/>
+          </a:prstGeom>
+          <a:noFill/>
+        </p:spPr>
+        <p:txBody>
+          <a:bodyPr wrap="square" lIns="0" rIns="0" rtlCol="0" anchor="t">
+            <a:spAutoFit/>
+          </a:bodyPr>
+          <a:lstStyle/>
+          <a:p>
+            <a:pPr marL="457200" indent="-457200" algn="just">
+              <a:buFont typeface="+mj-lt"/>
+              <a:buAutoNum type="arabicPeriod" startAt="5"/>
+            </a:pPr>
+            <a:r>
+              <a:rPr lang="en-US" sz="2000" noProof="1">
+                <a:solidFill>
+                  <a:schemeClr val="tx1">
+                    <a:lumMod val="65000"/>
+                    <a:lumOff val="35000"/>
+                  </a:schemeClr>
+                </a:solidFill>
+              </a:rPr>
+              <a:t>Plotly</a:t>
+            </a:r>
+          </a:p>
+          <a:p>
+            <a:pPr marL="457200" indent="-457200" algn="just">
+              <a:buFont typeface="+mj-lt"/>
+              <a:buAutoNum type="arabicPeriod" startAt="5"/>
+            </a:pPr>
+            <a:r>
+              <a:rPr lang="en-US" sz="2000" noProof="1">
+                <a:solidFill>
+                  <a:schemeClr val="tx1">
+                    <a:lumMod val="65000"/>
+                    <a:lumOff val="35000"/>
+                  </a:schemeClr>
+                </a:solidFill>
+              </a:rPr>
+              <a:t>AnyChart</a:t>
+            </a:r>
+          </a:p>
+        </p:txBody>
+      </p:sp>
     </p:spTree>
     <p:extLst>
       <p:ext uri="{BB962C8B-B14F-4D97-AF65-F5344CB8AC3E}">
@@ -28437,6 +27823,195 @@
       </p:sp>
       <p:grpSp>
         <p:nvGrpSpPr>
+          <p:cNvPr id="9" name="Group 8">
+            <a:extLst>
+              <a:ext uri="{FF2B5EF4-FFF2-40B4-BE49-F238E27FC236}">
+                <a16:creationId xmlns:a16="http://schemas.microsoft.com/office/drawing/2014/main" id="{10BB2742-8F79-4B24-B5A2-4D30633A1CA5}"/>
+              </a:ext>
+            </a:extLst>
+          </p:cNvPr>
+          <p:cNvGrpSpPr/>
+          <p:nvPr/>
+        </p:nvGrpSpPr>
+        <p:grpSpPr>
+          <a:xfrm>
+            <a:off x="1272838" y="3634987"/>
+            <a:ext cx="4829182" cy="2705925"/>
+            <a:chOff x="8921977" y="1466725"/>
+            <a:chExt cx="2926080" cy="2705925"/>
+          </a:xfrm>
+        </p:grpSpPr>
+        <p:sp>
+          <p:nvSpPr>
+            <p:cNvPr id="10" name="TextBox 9">
+              <a:extLst>
+                <a:ext uri="{FF2B5EF4-FFF2-40B4-BE49-F238E27FC236}">
+                  <a16:creationId xmlns:a16="http://schemas.microsoft.com/office/drawing/2014/main" id="{AB43F3B8-204D-4F94-A572-ED75489ED6B3}"/>
+                </a:ext>
+              </a:extLst>
+            </p:cNvPr>
+            <p:cNvSpPr txBox="1"/>
+            <p:nvPr/>
+          </p:nvSpPr>
+          <p:spPr>
+            <a:xfrm>
+              <a:off x="8921977" y="1466725"/>
+              <a:ext cx="2926080" cy="461665"/>
+            </a:xfrm>
+            <a:prstGeom prst="rect">
+              <a:avLst/>
+            </a:prstGeom>
+            <a:noFill/>
+          </p:spPr>
+          <p:txBody>
+            <a:bodyPr wrap="square" lIns="0" rIns="0" rtlCol="0" anchor="b">
+              <a:spAutoFit/>
+            </a:bodyPr>
+            <a:lstStyle/>
+            <a:p>
+              <a:r>
+                <a:rPr lang="en-US" sz="2400" b="1" noProof="1">
+                  <a:solidFill>
+                    <a:schemeClr val="tx1">
+                      <a:lumMod val="65000"/>
+                      <a:lumOff val="35000"/>
+                    </a:schemeClr>
+                  </a:solidFill>
+                </a:rPr>
+                <a:t>Attributes</a:t>
+              </a:r>
+              <a:endParaRPr lang="en-US" sz="2400" b="1" noProof="1"/>
+            </a:p>
+          </p:txBody>
+        </p:sp>
+        <p:sp>
+          <p:nvSpPr>
+            <p:cNvPr id="11" name="TextBox 10">
+              <a:extLst>
+                <a:ext uri="{FF2B5EF4-FFF2-40B4-BE49-F238E27FC236}">
+                  <a16:creationId xmlns:a16="http://schemas.microsoft.com/office/drawing/2014/main" id="{2B69CDFD-404F-48FB-A38A-6BBA3B689F1C}"/>
+                </a:ext>
+              </a:extLst>
+            </p:cNvPr>
+            <p:cNvSpPr txBox="1"/>
+            <p:nvPr/>
+          </p:nvSpPr>
+          <p:spPr>
+            <a:xfrm>
+              <a:off x="8921977" y="1925881"/>
+              <a:ext cx="1367399" cy="2246769"/>
+            </a:xfrm>
+            <a:prstGeom prst="rect">
+              <a:avLst/>
+            </a:prstGeom>
+            <a:noFill/>
+          </p:spPr>
+          <p:txBody>
+            <a:bodyPr wrap="square" lIns="0" rIns="0" rtlCol="0" anchor="t">
+              <a:spAutoFit/>
+            </a:bodyPr>
+            <a:lstStyle/>
+            <a:p>
+              <a:pPr marL="457200" indent="-457200" algn="just">
+                <a:buFont typeface="Courier New" panose="02070309020205020404" pitchFamily="49" charset="0"/>
+                <a:buChar char="o"/>
+              </a:pPr>
+              <a:r>
+                <a:rPr lang="en-US" sz="2000" b="0" i="0" dirty="0">
+                  <a:solidFill>
+                    <a:srgbClr val="1D1C1D"/>
+                  </a:solidFill>
+                  <a:effectLst/>
+                </a:rPr>
+                <a:t>Age</a:t>
+              </a:r>
+            </a:p>
+            <a:p>
+              <a:pPr marL="457200" indent="-457200" algn="just">
+                <a:buFont typeface="Courier New" panose="02070309020205020404" pitchFamily="49" charset="0"/>
+                <a:buChar char="o"/>
+              </a:pPr>
+              <a:r>
+                <a:rPr lang="en-US" sz="2000" noProof="1">
+                  <a:solidFill>
+                    <a:srgbClr val="1D1C1D"/>
+                  </a:solidFill>
+                </a:rPr>
+                <a:t>BMI</a:t>
+              </a:r>
+            </a:p>
+            <a:p>
+              <a:pPr marL="457200" indent="-457200" algn="just">
+                <a:buFont typeface="Courier New" panose="02070309020205020404" pitchFamily="49" charset="0"/>
+                <a:buChar char="o"/>
+              </a:pPr>
+              <a:r>
+                <a:rPr lang="en-US" sz="2000" noProof="1">
+                  <a:solidFill>
+                    <a:srgbClr val="1D1C1D"/>
+                  </a:solidFill>
+                </a:rPr>
+                <a:t>Hypertension</a:t>
+              </a:r>
+            </a:p>
+            <a:p>
+              <a:pPr marL="457200" indent="-457200" algn="just">
+                <a:buFont typeface="Courier New" panose="02070309020205020404" pitchFamily="49" charset="0"/>
+                <a:buChar char="o"/>
+              </a:pPr>
+              <a:r>
+                <a:rPr lang="en-US" sz="2000" noProof="1">
+                  <a:solidFill>
+                    <a:srgbClr val="1D1C1D"/>
+                  </a:solidFill>
+                </a:rPr>
+                <a:t>Heart Disease</a:t>
+              </a:r>
+            </a:p>
+            <a:p>
+              <a:pPr marL="457200" indent="-457200" algn="just">
+                <a:buFont typeface="Courier New" panose="02070309020205020404" pitchFamily="49" charset="0"/>
+                <a:buChar char="o"/>
+              </a:pPr>
+              <a:r>
+                <a:rPr lang="en-US" sz="2000" noProof="1">
+                  <a:solidFill>
+                    <a:srgbClr val="1D1C1D"/>
+                  </a:solidFill>
+                </a:rPr>
+                <a:t>Glucose Levels</a:t>
+              </a:r>
+            </a:p>
+            <a:p>
+              <a:pPr marL="457200" indent="-457200" algn="just">
+                <a:buFont typeface="+mj-lt"/>
+                <a:buAutoNum type="arabicPeriod"/>
+              </a:pPr>
+              <a:endParaRPr lang="en-US" sz="2000" noProof="1">
+                <a:solidFill>
+                  <a:srgbClr val="1D1C1D"/>
+                </a:solidFill>
+              </a:endParaRPr>
+            </a:p>
+            <a:p>
+              <a:pPr marL="457200" indent="-457200" algn="just">
+                <a:buFont typeface="+mj-lt"/>
+                <a:buAutoNum type="arabicPeriod"/>
+              </a:pPr>
+              <a:endParaRPr lang="en-US" sz="2000" noProof="1">
+                <a:solidFill>
+                  <a:schemeClr val="tx1">
+                    <a:lumMod val="65000"/>
+                    <a:lumOff val="35000"/>
+                  </a:schemeClr>
+                </a:solidFill>
+              </a:endParaRPr>
+            </a:p>
+          </p:txBody>
+        </p:sp>
+      </p:grpSp>
+      <p:grpSp>
+        <p:nvGrpSpPr>
           <p:cNvPr id="15" name="Group 14">
             <a:extLst>
               <a:ext uri="{FF2B5EF4-FFF2-40B4-BE49-F238E27FC236}">
@@ -28449,10 +28024,10 @@
         </p:nvGrpSpPr>
         <p:grpSpPr>
           <a:xfrm>
-            <a:off x="302522" y="1573485"/>
-            <a:ext cx="4829182" cy="1167042"/>
+            <a:off x="1272838" y="2259077"/>
+            <a:ext cx="4829182" cy="859266"/>
             <a:chOff x="8921977" y="1466725"/>
-            <a:chExt cx="2926080" cy="1167042"/>
+            <a:chExt cx="2926080" cy="859266"/>
           </a:xfrm>
         </p:grpSpPr>
         <p:sp>
@@ -28505,7 +28080,7 @@
           <p:spPr>
             <a:xfrm>
               <a:off x="8921977" y="1925881"/>
-              <a:ext cx="2926080" cy="707886"/>
+              <a:ext cx="2926080" cy="400110"/>
             </a:xfrm>
             <a:prstGeom prst="rect">
               <a:avLst/>
@@ -28518,77 +28093,53 @@
             </a:bodyPr>
             <a:lstStyle/>
             <a:p>
-              <a:pPr marL="225425" indent="-225425" algn="just">
-                <a:buFont typeface="Arial" panose="020B0604020202020204" pitchFamily="34" charset="0"/>
-                <a:buChar char="•"/>
+              <a:pPr marL="0" marR="0" lvl="0" indent="0" algn="l" defTabSz="914400" rtl="0" eaLnBrk="0" fontAlgn="base" latinLnBrk="0" hangingPunct="0">
+                <a:lnSpc>
+                  <a:spcPct val="100000"/>
+                </a:lnSpc>
+                <a:spcBef>
+                  <a:spcPct val="0"/>
+                </a:spcBef>
+                <a:spcAft>
+                  <a:spcPct val="0"/>
+                </a:spcAft>
+                <a:buClrTx/>
+                <a:buSzTx/>
+                <a:buFontTx/>
+                <a:buNone/>
+                <a:tabLst/>
               </a:pPr>
-              <a:endParaRPr lang="en-US" sz="2000" noProof="1">
+              <a:r>
+                <a:rPr kumimoji="0" lang="en-US" altLang="en-US" sz="2000" b="0" i="0" u="none" strike="noStrike" cap="none" normalizeH="0" baseline="0" dirty="0">
+                  <a:ln>
+                    <a:noFill/>
+                  </a:ln>
+                  <a:solidFill>
+                    <a:srgbClr val="1D1C1D"/>
+                  </a:solidFill>
+                  <a:effectLst/>
+                </a:rPr>
+                <a:t>88% Accuracy </a:t>
+              </a:r>
+              <a:endParaRPr kumimoji="0" lang="en-US" altLang="en-US" sz="4800" b="0" i="0" u="none" strike="noStrike" cap="none" normalizeH="0" baseline="0" dirty="0">
+                <a:ln>
+                  <a:noFill/>
+                </a:ln>
                 <a:solidFill>
-                  <a:schemeClr val="tx1">
-                    <a:lumMod val="65000"/>
-                    <a:lumOff val="35000"/>
-                  </a:schemeClr>
+                  <a:schemeClr val="tx1"/>
                 </a:solidFill>
-              </a:endParaRPr>
-            </a:p>
-            <a:p>
-              <a:pPr marL="225425" indent="-225425" algn="just">
-                <a:buFont typeface="Arial" panose="020B0604020202020204" pitchFamily="34" charset="0"/>
-                <a:buChar char="•"/>
-              </a:pPr>
-              <a:endParaRPr lang="en-US" sz="2000" noProof="1">
-                <a:solidFill>
-                  <a:schemeClr val="tx1">
-                    <a:lumMod val="65000"/>
-                    <a:lumOff val="35000"/>
-                  </a:schemeClr>
-                </a:solidFill>
+                <a:effectLst/>
               </a:endParaRPr>
             </a:p>
           </p:txBody>
         </p:sp>
       </p:grpSp>
-      <p:pic>
-        <p:nvPicPr>
-          <p:cNvPr id="7" name="Picture 6" descr="Chart, histogram&#10;&#10;Description automatically generated">
+      <p:sp>
+        <p:nvSpPr>
+          <p:cNvPr id="18" name="TextBox 17">
             <a:extLst>
               <a:ext uri="{FF2B5EF4-FFF2-40B4-BE49-F238E27FC236}">
-                <a16:creationId xmlns:a16="http://schemas.microsoft.com/office/drawing/2014/main" id="{5497A987-5D5F-419A-B0E4-48E23A73B0AC}"/>
-              </a:ext>
-            </a:extLst>
-          </p:cNvPr>
-          <p:cNvPicPr>
-            <a:picLocks noChangeAspect="1"/>
-          </p:cNvPicPr>
-          <p:nvPr/>
-        </p:nvPicPr>
-        <p:blipFill rotWithShape="1">
-          <a:blip r:embed="rId3">
-            <a:extLst>
-              <a:ext uri="{28A0092B-C50C-407E-A947-70E740481C1C}">
-                <a14:useLocalDpi xmlns:a14="http://schemas.microsoft.com/office/drawing/2010/main" val="0"/>
-              </a:ext>
-            </a:extLst>
-          </a:blip>
-          <a:srcRect b="26143"/>
-          <a:stretch/>
-        </p:blipFill>
-        <p:spPr>
-          <a:xfrm>
-            <a:off x="245788" y="2247092"/>
-            <a:ext cx="2651760" cy="1673874"/>
-          </a:xfrm>
-          <a:prstGeom prst="rect">
-            <a:avLst/>
-          </a:prstGeom>
-        </p:spPr>
-      </p:pic>
-      <p:sp>
-        <p:nvSpPr>
-          <p:cNvPr id="9" name="TextBox 8">
-            <a:extLst>
-              <a:ext uri="{FF2B5EF4-FFF2-40B4-BE49-F238E27FC236}">
-                <a16:creationId xmlns:a16="http://schemas.microsoft.com/office/drawing/2014/main" id="{7CDD558B-E4B1-4E83-BA87-5DC306160F8B}"/>
+                <a16:creationId xmlns:a16="http://schemas.microsoft.com/office/drawing/2014/main" id="{25315E2A-E631-4DEB-8A40-024E1FC4D38F}"/>
               </a:ext>
             </a:extLst>
           </p:cNvPr>
@@ -28597,8 +28148,8 @@
         </p:nvSpPr>
         <p:spPr>
           <a:xfrm>
-            <a:off x="609149" y="2875693"/>
-            <a:ext cx="2213563" cy="369332"/>
+            <a:off x="3692950" y="4100239"/>
+            <a:ext cx="2256746" cy="2246769"/>
           </a:xfrm>
           <a:prstGeom prst="rect">
             <a:avLst/>
@@ -28606,230 +28157,177 @@
           <a:noFill/>
         </p:spPr>
         <p:txBody>
-          <a:bodyPr wrap="square" rtlCol="0">
+          <a:bodyPr wrap="square" lIns="0" rIns="0" rtlCol="0" anchor="t">
             <a:spAutoFit/>
           </a:bodyPr>
           <a:lstStyle/>
           <a:p>
-            <a:pPr algn="ctr"/>
+            <a:pPr marL="457200" indent="-457200" algn="just">
+              <a:buFont typeface="Courier New" panose="02070309020205020404" pitchFamily="49" charset="0"/>
+              <a:buChar char="o"/>
+            </a:pPr>
             <a:r>
-              <a:rPr lang="en-US" dirty="0"/>
-              <a:t>Age</a:t>
+              <a:rPr lang="en-US" sz="2000" dirty="0"/>
+              <a:t>Gender</a:t>
             </a:r>
+          </a:p>
+          <a:p>
+            <a:pPr marL="457200" indent="-457200" algn="just">
+              <a:buFont typeface="Courier New" panose="02070309020205020404" pitchFamily="49" charset="0"/>
+              <a:buChar char="o"/>
+            </a:pPr>
+            <a:r>
+              <a:rPr lang="en-US" sz="2000" dirty="0"/>
+              <a:t>Married</a:t>
+            </a:r>
+          </a:p>
+          <a:p>
+            <a:pPr marL="457200" indent="-457200" algn="just">
+              <a:buFont typeface="Courier New" panose="02070309020205020404" pitchFamily="49" charset="0"/>
+              <a:buChar char="o"/>
+            </a:pPr>
+            <a:r>
+              <a:rPr lang="en-US" sz="2000" dirty="0"/>
+              <a:t>Urban vs Rural</a:t>
+            </a:r>
+          </a:p>
+          <a:p>
+            <a:pPr marL="457200" indent="-457200" algn="just">
+              <a:buFont typeface="Courier New" panose="02070309020205020404" pitchFamily="49" charset="0"/>
+              <a:buChar char="o"/>
+            </a:pPr>
+            <a:r>
+              <a:rPr lang="en-US" sz="2000" dirty="0"/>
+              <a:t>Work Type</a:t>
+            </a:r>
+          </a:p>
+          <a:p>
+            <a:pPr marL="457200" indent="-457200" algn="just">
+              <a:buFont typeface="Courier New" panose="02070309020205020404" pitchFamily="49" charset="0"/>
+              <a:buChar char="o"/>
+            </a:pPr>
+            <a:r>
+              <a:rPr lang="en-US" sz="2000" dirty="0"/>
+              <a:t>Smoking Status</a:t>
+            </a:r>
+          </a:p>
+          <a:p>
+            <a:pPr marL="457200" indent="-457200" algn="just">
+              <a:buFont typeface="+mj-lt"/>
+              <a:buAutoNum type="arabicPeriod"/>
+            </a:pPr>
+            <a:endParaRPr lang="en-US" sz="2000" noProof="1">
+              <a:solidFill>
+                <a:srgbClr val="1D1C1D"/>
+              </a:solidFill>
+            </a:endParaRPr>
+          </a:p>
+          <a:p>
+            <a:pPr marL="457200" indent="-457200" algn="just">
+              <a:buFont typeface="+mj-lt"/>
+              <a:buAutoNum type="arabicPeriod"/>
+            </a:pPr>
+            <a:endParaRPr lang="en-US" sz="2000" noProof="1">
+              <a:solidFill>
+                <a:schemeClr val="tx1">
+                  <a:lumMod val="65000"/>
+                  <a:lumOff val="35000"/>
+                </a:schemeClr>
+              </a:solidFill>
+            </a:endParaRPr>
+          </a:p>
+        </p:txBody>
+      </p:sp>
+      <p:sp>
+        <p:nvSpPr>
+          <p:cNvPr id="19" name="Circle">
+            <a:extLst>
+              <a:ext uri="{FF2B5EF4-FFF2-40B4-BE49-F238E27FC236}">
+                <a16:creationId xmlns:a16="http://schemas.microsoft.com/office/drawing/2014/main" id="{CBAAAF1F-DC36-4F4D-AFCE-60A76892784F}"/>
+              </a:ext>
+            </a:extLst>
+          </p:cNvPr>
+          <p:cNvSpPr/>
+          <p:nvPr/>
+        </p:nvSpPr>
+        <p:spPr>
+          <a:xfrm>
+            <a:off x="665324" y="3686834"/>
+            <a:ext cx="356787" cy="356787"/>
+          </a:xfrm>
+          <a:prstGeom prst="ellipse">
+            <a:avLst/>
+          </a:prstGeom>
+          <a:solidFill>
+            <a:schemeClr val="accent4"/>
+          </a:solidFill>
+          <a:ln w="12700">
+            <a:miter lim="400000"/>
+          </a:ln>
+        </p:spPr>
+        <p:txBody>
+          <a:bodyPr lIns="38100" tIns="38100" rIns="38100" bIns="38100" anchor="ctr"/>
+          <a:lstStyle/>
+          <a:p>
+            <a:pPr>
+              <a:defRPr sz="3000">
+                <a:solidFill>
+                  <a:srgbClr val="FFFFFF"/>
+                </a:solidFill>
+              </a:defRPr>
+            </a:pPr>
+            <a:endParaRPr/>
+          </a:p>
+        </p:txBody>
+      </p:sp>
+      <p:sp>
+        <p:nvSpPr>
+          <p:cNvPr id="22" name="Circle">
+            <a:extLst>
+              <a:ext uri="{FF2B5EF4-FFF2-40B4-BE49-F238E27FC236}">
+                <a16:creationId xmlns:a16="http://schemas.microsoft.com/office/drawing/2014/main" id="{551E9A35-C8C1-48FF-8BDD-758ABB7998DB}"/>
+              </a:ext>
+            </a:extLst>
+          </p:cNvPr>
+          <p:cNvSpPr/>
+          <p:nvPr/>
+        </p:nvSpPr>
+        <p:spPr>
+          <a:xfrm>
+            <a:off x="661229" y="2338385"/>
+            <a:ext cx="356787" cy="356787"/>
+          </a:xfrm>
+          <a:prstGeom prst="ellipse">
+            <a:avLst/>
+          </a:prstGeom>
+          <a:solidFill>
+            <a:schemeClr val="accent1"/>
+          </a:solidFill>
+          <a:ln w="12700">
+            <a:miter lim="400000"/>
+          </a:ln>
+        </p:spPr>
+        <p:txBody>
+          <a:bodyPr lIns="38100" tIns="38100" rIns="38100" bIns="38100" anchor="ctr"/>
+          <a:lstStyle/>
+          <a:p>
+            <a:pPr>
+              <a:defRPr sz="3000">
+                <a:solidFill>
+                  <a:srgbClr val="FFFFFF"/>
+                </a:solidFill>
+              </a:defRPr>
+            </a:pPr>
+            <a:endParaRPr/>
           </a:p>
         </p:txBody>
       </p:sp>
       <p:pic>
         <p:nvPicPr>
-          <p:cNvPr id="13" name="Picture 12" descr="Chart&#10;&#10;Description automatically generated">
+          <p:cNvPr id="23" name="Picture 22">
             <a:extLst>
               <a:ext uri="{FF2B5EF4-FFF2-40B4-BE49-F238E27FC236}">
-                <a16:creationId xmlns:a16="http://schemas.microsoft.com/office/drawing/2014/main" id="{A2CEC906-7FBD-45EE-AA10-F1FFB0B039FA}"/>
-              </a:ext>
-            </a:extLst>
-          </p:cNvPr>
-          <p:cNvPicPr>
-            <a:picLocks noChangeAspect="1"/>
-          </p:cNvPicPr>
-          <p:nvPr/>
-        </p:nvPicPr>
-        <p:blipFill rotWithShape="1">
-          <a:blip r:embed="rId4">
-            <a:extLst>
-              <a:ext uri="{28A0092B-C50C-407E-A947-70E740481C1C}">
-                <a14:useLocalDpi xmlns:a14="http://schemas.microsoft.com/office/drawing/2010/main" val="0"/>
-              </a:ext>
-            </a:extLst>
-          </a:blip>
-          <a:srcRect b="24655"/>
-          <a:stretch/>
-        </p:blipFill>
-        <p:spPr>
-          <a:xfrm>
-            <a:off x="5978778" y="2247092"/>
-            <a:ext cx="2578059" cy="1645920"/>
-          </a:xfrm>
-          <a:prstGeom prst="rect">
-            <a:avLst/>
-          </a:prstGeom>
-        </p:spPr>
-      </p:pic>
-      <p:pic>
-        <p:nvPicPr>
-          <p:cNvPr id="20" name="Picture 19" descr="Chart&#10;&#10;Description automatically generated">
-            <a:extLst>
-              <a:ext uri="{FF2B5EF4-FFF2-40B4-BE49-F238E27FC236}">
-                <a16:creationId xmlns:a16="http://schemas.microsoft.com/office/drawing/2014/main" id="{FDB35FB4-83A0-4099-8A40-8CA6ED8A6B68}"/>
-              </a:ext>
-            </a:extLst>
-          </p:cNvPr>
-          <p:cNvPicPr>
-            <a:picLocks noChangeAspect="1"/>
-          </p:cNvPicPr>
-          <p:nvPr/>
-        </p:nvPicPr>
-        <p:blipFill rotWithShape="1">
-          <a:blip r:embed="rId5">
-            <a:extLst>
-              <a:ext uri="{28A0092B-C50C-407E-A947-70E740481C1C}">
-                <a14:useLocalDpi xmlns:a14="http://schemas.microsoft.com/office/drawing/2010/main" val="0"/>
-              </a:ext>
-            </a:extLst>
-          </a:blip>
-          <a:srcRect l="3098" r="347" b="24390"/>
-          <a:stretch/>
-        </p:blipFill>
-        <p:spPr>
-          <a:xfrm>
-            <a:off x="6619465" y="1804317"/>
-            <a:ext cx="2489064" cy="1645920"/>
-          </a:xfrm>
-          <a:prstGeom prst="rect">
-            <a:avLst/>
-          </a:prstGeom>
-        </p:spPr>
-      </p:pic>
-      <p:sp>
-        <p:nvSpPr>
-          <p:cNvPr id="21" name="TextBox 20">
-            <a:extLst>
-              <a:ext uri="{FF2B5EF4-FFF2-40B4-BE49-F238E27FC236}">
-                <a16:creationId xmlns:a16="http://schemas.microsoft.com/office/drawing/2014/main" id="{C5385E8A-14B5-47F9-8840-64D9F8DA3FE2}"/>
-              </a:ext>
-            </a:extLst>
-          </p:cNvPr>
-          <p:cNvSpPr txBox="1"/>
-          <p:nvPr/>
-        </p:nvSpPr>
-        <p:spPr>
-          <a:xfrm>
-            <a:off x="6805005" y="2047332"/>
-            <a:ext cx="2213563" cy="923330"/>
-          </a:xfrm>
-          <a:prstGeom prst="rect">
-            <a:avLst/>
-          </a:prstGeom>
-          <a:noFill/>
-        </p:spPr>
-        <p:txBody>
-          <a:bodyPr wrap="square" rtlCol="0">
-            <a:spAutoFit/>
-          </a:bodyPr>
-          <a:lstStyle/>
-          <a:p>
-            <a:pPr algn="ctr"/>
-            <a:r>
-              <a:rPr lang="en-US" dirty="0"/>
-              <a:t>Hypertension </a:t>
-            </a:r>
-          </a:p>
-          <a:p>
-            <a:pPr algn="ctr"/>
-            <a:r>
-              <a:rPr lang="en-US" dirty="0"/>
-              <a:t>vs. </a:t>
-            </a:r>
-          </a:p>
-          <a:p>
-            <a:pPr algn="ctr"/>
-            <a:r>
-              <a:rPr lang="en-US" dirty="0"/>
-              <a:t>Heart Disease</a:t>
-            </a:r>
-          </a:p>
-        </p:txBody>
-      </p:sp>
-      <p:pic>
-        <p:nvPicPr>
-          <p:cNvPr id="32" name="Picture 31" descr="Chart&#10;&#10;Description automatically generated">
-            <a:extLst>
-              <a:ext uri="{FF2B5EF4-FFF2-40B4-BE49-F238E27FC236}">
-                <a16:creationId xmlns:a16="http://schemas.microsoft.com/office/drawing/2014/main" id="{273A3E1D-A41C-4836-BC5E-50812200D217}"/>
-              </a:ext>
-            </a:extLst>
-          </p:cNvPr>
-          <p:cNvPicPr>
-            <a:picLocks noChangeAspect="1"/>
-          </p:cNvPicPr>
-          <p:nvPr/>
-        </p:nvPicPr>
-        <p:blipFill rotWithShape="1">
-          <a:blip r:embed="rId6">
-            <a:extLst>
-              <a:ext uri="{28A0092B-C50C-407E-A947-70E740481C1C}">
-                <a14:useLocalDpi xmlns:a14="http://schemas.microsoft.com/office/drawing/2010/main" val="0"/>
-              </a:ext>
-            </a:extLst>
-          </a:blip>
-          <a:srcRect l="3902" b="24443"/>
-          <a:stretch/>
-        </p:blipFill>
-        <p:spPr>
-          <a:xfrm>
-            <a:off x="3151468" y="4188160"/>
-            <a:ext cx="3775703" cy="2468880"/>
-          </a:xfrm>
-          <a:prstGeom prst="rect">
-            <a:avLst/>
-          </a:prstGeom>
-        </p:spPr>
-      </p:pic>
-      <p:sp>
-        <p:nvSpPr>
-          <p:cNvPr id="33" name="TextBox 32">
-            <a:extLst>
-              <a:ext uri="{FF2B5EF4-FFF2-40B4-BE49-F238E27FC236}">
-                <a16:creationId xmlns:a16="http://schemas.microsoft.com/office/drawing/2014/main" id="{0F3DD658-C617-4028-959C-3196E8DECB01}"/>
-              </a:ext>
-            </a:extLst>
-          </p:cNvPr>
-          <p:cNvSpPr txBox="1"/>
-          <p:nvPr/>
-        </p:nvSpPr>
-        <p:spPr>
-          <a:xfrm>
-            <a:off x="3151468" y="4818814"/>
-            <a:ext cx="3775703" cy="923330"/>
-          </a:xfrm>
-          <a:prstGeom prst="rect">
-            <a:avLst/>
-          </a:prstGeom>
-          <a:noFill/>
-        </p:spPr>
-        <p:txBody>
-          <a:bodyPr wrap="square" rtlCol="0">
-            <a:spAutoFit/>
-          </a:bodyPr>
-          <a:lstStyle/>
-          <a:p>
-            <a:pPr algn="ctr"/>
-            <a:r>
-              <a:rPr lang="en-US" b="1" dirty="0"/>
-              <a:t>Stroke </a:t>
-            </a:r>
-          </a:p>
-          <a:p>
-            <a:pPr algn="ctr"/>
-            <a:r>
-              <a:rPr lang="en-US" b="1" dirty="0"/>
-              <a:t>88%</a:t>
-            </a:r>
-          </a:p>
-          <a:p>
-            <a:pPr algn="ctr"/>
-            <a:r>
-              <a:rPr lang="en-US" b="1" dirty="0"/>
-              <a:t>Accuracy</a:t>
-            </a:r>
-          </a:p>
-        </p:txBody>
-      </p:sp>
-      <p:pic>
-        <p:nvPicPr>
-          <p:cNvPr id="34" name="Picture 33">
-            <a:extLst>
-              <a:ext uri="{FF2B5EF4-FFF2-40B4-BE49-F238E27FC236}">
-                <a16:creationId xmlns:a16="http://schemas.microsoft.com/office/drawing/2014/main" id="{68FD4EFC-561E-4DE0-8DB2-535EFDB08393}"/>
+                <a16:creationId xmlns:a16="http://schemas.microsoft.com/office/drawing/2014/main" id="{59D09472-28D6-477D-AB37-CB96EDA86E30}"/>
               </a:ext>
             </a:extLst>
           </p:cNvPr>
@@ -28839,7 +28337,7 @@
           <p:nvPr/>
         </p:nvPicPr>
         <p:blipFill>
-          <a:blip r:embed="rId7" cstate="screen">
+          <a:blip r:embed="rId3" cstate="screen">
             <a:extLst>
               <a:ext uri="{28A0092B-C50C-407E-A947-70E740481C1C}">
                 <a14:useLocalDpi xmlns:a14="http://schemas.microsoft.com/office/drawing/2010/main"/>
@@ -28852,245 +28350,18 @@
         </p:blipFill>
         <p:spPr>
           <a:xfrm>
-            <a:off x="7630092" y="4188160"/>
-            <a:ext cx="3775703" cy="2468880"/>
+            <a:off x="6129137" y="2259077"/>
+            <a:ext cx="5397539" cy="3529376"/>
           </a:xfrm>
           <a:prstGeom prst="rect">
             <a:avLst/>
           </a:prstGeom>
         </p:spPr>
       </p:pic>
-      <p:pic>
-        <p:nvPicPr>
-          <p:cNvPr id="36" name="Picture 35" descr="Chart, histogram&#10;&#10;Description automatically generated">
-            <a:extLst>
-              <a:ext uri="{FF2B5EF4-FFF2-40B4-BE49-F238E27FC236}">
-                <a16:creationId xmlns:a16="http://schemas.microsoft.com/office/drawing/2014/main" id="{C1E541D2-AA02-4E1B-9AE1-0A84C7397BC9}"/>
-              </a:ext>
-            </a:extLst>
-          </p:cNvPr>
-          <p:cNvPicPr>
-            <a:picLocks noChangeAspect="1"/>
-          </p:cNvPicPr>
-          <p:nvPr/>
-        </p:nvPicPr>
-        <p:blipFill rotWithShape="1">
-          <a:blip r:embed="rId8">
-            <a:extLst>
-              <a:ext uri="{28A0092B-C50C-407E-A947-70E740481C1C}">
-                <a14:useLocalDpi xmlns:a14="http://schemas.microsoft.com/office/drawing/2010/main" val="0"/>
-              </a:ext>
-            </a:extLst>
-          </a:blip>
-          <a:srcRect l="3994" b="27379"/>
-          <a:stretch/>
-        </p:blipFill>
-        <p:spPr>
-          <a:xfrm>
-            <a:off x="3171867" y="2261069"/>
-            <a:ext cx="2545905" cy="1645920"/>
-          </a:xfrm>
-          <a:prstGeom prst="rect">
-            <a:avLst/>
-          </a:prstGeom>
-        </p:spPr>
-      </p:pic>
-      <p:sp>
-        <p:nvSpPr>
-          <p:cNvPr id="37" name="TextBox 36">
-            <a:extLst>
-              <a:ext uri="{FF2B5EF4-FFF2-40B4-BE49-F238E27FC236}">
-                <a16:creationId xmlns:a16="http://schemas.microsoft.com/office/drawing/2014/main" id="{4F93583D-BFBD-4E54-B097-706D8FD4E5A8}"/>
-              </a:ext>
-            </a:extLst>
-          </p:cNvPr>
-          <p:cNvSpPr txBox="1"/>
-          <p:nvPr/>
-        </p:nvSpPr>
-        <p:spPr>
-          <a:xfrm>
-            <a:off x="3364074" y="2877371"/>
-            <a:ext cx="2213563" cy="369332"/>
-          </a:xfrm>
-          <a:prstGeom prst="rect">
-            <a:avLst/>
-          </a:prstGeom>
-          <a:noFill/>
-        </p:spPr>
-        <p:txBody>
-          <a:bodyPr wrap="square" rtlCol="0">
-            <a:spAutoFit/>
-          </a:bodyPr>
-          <a:lstStyle/>
-          <a:p>
-            <a:pPr algn="ctr"/>
-            <a:r>
-              <a:rPr lang="en-US" dirty="0"/>
-              <a:t>BMI</a:t>
-            </a:r>
-          </a:p>
-        </p:txBody>
-      </p:sp>
-      <p:pic>
-        <p:nvPicPr>
-          <p:cNvPr id="39" name="Picture 38" descr="Chart, bar chart, histogram&#10;&#10;Description automatically generated">
-            <a:extLst>
-              <a:ext uri="{FF2B5EF4-FFF2-40B4-BE49-F238E27FC236}">
-                <a16:creationId xmlns:a16="http://schemas.microsoft.com/office/drawing/2014/main" id="{FF149907-884D-4BC0-9FF1-7CA0C2891C27}"/>
-              </a:ext>
-            </a:extLst>
-          </p:cNvPr>
-          <p:cNvPicPr>
-            <a:picLocks noChangeAspect="1"/>
-          </p:cNvPicPr>
-          <p:nvPr/>
-        </p:nvPicPr>
-        <p:blipFill rotWithShape="1">
-          <a:blip r:embed="rId9">
-            <a:extLst>
-              <a:ext uri="{28A0092B-C50C-407E-A947-70E740481C1C}">
-                <a14:useLocalDpi xmlns:a14="http://schemas.microsoft.com/office/drawing/2010/main" val="0"/>
-              </a:ext>
-            </a:extLst>
-          </a:blip>
-          <a:srcRect l="1486" b="24496"/>
-          <a:stretch/>
-        </p:blipFill>
-        <p:spPr>
-          <a:xfrm>
-            <a:off x="9393317" y="2275046"/>
-            <a:ext cx="2512703" cy="1645920"/>
-          </a:xfrm>
-          <a:prstGeom prst="rect">
-            <a:avLst/>
-          </a:prstGeom>
-        </p:spPr>
-      </p:pic>
-      <p:sp>
-        <p:nvSpPr>
-          <p:cNvPr id="40" name="TextBox 39">
-            <a:extLst>
-              <a:ext uri="{FF2B5EF4-FFF2-40B4-BE49-F238E27FC236}">
-                <a16:creationId xmlns:a16="http://schemas.microsoft.com/office/drawing/2014/main" id="{0D7BF0EC-7557-4BE7-A3A4-F6F73E070814}"/>
-              </a:ext>
-            </a:extLst>
-          </p:cNvPr>
-          <p:cNvSpPr txBox="1"/>
-          <p:nvPr/>
-        </p:nvSpPr>
-        <p:spPr>
-          <a:xfrm>
-            <a:off x="9585013" y="2879816"/>
-            <a:ext cx="2213563" cy="369332"/>
-          </a:xfrm>
-          <a:prstGeom prst="rect">
-            <a:avLst/>
-          </a:prstGeom>
-          <a:noFill/>
-        </p:spPr>
-        <p:txBody>
-          <a:bodyPr wrap="square" rtlCol="0">
-            <a:spAutoFit/>
-          </a:bodyPr>
-          <a:lstStyle/>
-          <a:p>
-            <a:pPr algn="ctr"/>
-            <a:r>
-              <a:rPr lang="en-US" dirty="0"/>
-              <a:t>Glucose</a:t>
-            </a:r>
-          </a:p>
-        </p:txBody>
-      </p:sp>
-      <p:sp>
-        <p:nvSpPr>
-          <p:cNvPr id="41" name="TextBox 40">
-            <a:extLst>
-              <a:ext uri="{FF2B5EF4-FFF2-40B4-BE49-F238E27FC236}">
-                <a16:creationId xmlns:a16="http://schemas.microsoft.com/office/drawing/2014/main" id="{EC0C359B-A411-48FE-B369-0CD132924E68}"/>
-              </a:ext>
-            </a:extLst>
-          </p:cNvPr>
-          <p:cNvSpPr txBox="1"/>
-          <p:nvPr/>
-        </p:nvSpPr>
-        <p:spPr>
-          <a:xfrm>
-            <a:off x="337264" y="4284953"/>
-            <a:ext cx="2213563" cy="1754326"/>
-          </a:xfrm>
-          <a:prstGeom prst="rect">
-            <a:avLst/>
-          </a:prstGeom>
-          <a:noFill/>
-        </p:spPr>
-        <p:txBody>
-          <a:bodyPr wrap="square" rtlCol="0">
-            <a:spAutoFit/>
-          </a:bodyPr>
-          <a:lstStyle/>
-          <a:p>
-            <a:r>
-              <a:rPr lang="en-US" dirty="0"/>
-              <a:t>Additional Attributes:</a:t>
-            </a:r>
-          </a:p>
-          <a:p>
-            <a:pPr marL="285750" indent="-285750">
-              <a:buFont typeface="Courier New" panose="02070309020205020404" pitchFamily="49" charset="0"/>
-              <a:buChar char="o"/>
-            </a:pPr>
-            <a:r>
-              <a:rPr lang="en-US" dirty="0"/>
-              <a:t>Gender</a:t>
-            </a:r>
-          </a:p>
-          <a:p>
-            <a:pPr marL="285750" indent="-285750">
-              <a:buFont typeface="Courier New" panose="02070309020205020404" pitchFamily="49" charset="0"/>
-              <a:buChar char="o"/>
-            </a:pPr>
-            <a:r>
-              <a:rPr lang="en-US" dirty="0"/>
-              <a:t>Married</a:t>
-            </a:r>
-          </a:p>
-          <a:p>
-            <a:pPr marL="285750" indent="-285750">
-              <a:buFont typeface="Courier New" panose="02070309020205020404" pitchFamily="49" charset="0"/>
-              <a:buChar char="o"/>
-            </a:pPr>
-            <a:r>
-              <a:rPr lang="en-US" dirty="0"/>
-              <a:t>Urban vs Rural</a:t>
-            </a:r>
-          </a:p>
-          <a:p>
-            <a:pPr marL="285750" indent="-285750">
-              <a:buFont typeface="Courier New" panose="02070309020205020404" pitchFamily="49" charset="0"/>
-              <a:buChar char="o"/>
-            </a:pPr>
-            <a:r>
-              <a:rPr lang="en-US" dirty="0"/>
-              <a:t>Work Type</a:t>
-            </a:r>
-          </a:p>
-          <a:p>
-            <a:pPr marL="285750" indent="-285750">
-              <a:buFont typeface="Courier New" panose="02070309020205020404" pitchFamily="49" charset="0"/>
-              <a:buChar char="o"/>
-            </a:pPr>
-            <a:r>
-              <a:rPr lang="en-US" dirty="0"/>
-              <a:t>Smoking Status</a:t>
-            </a:r>
-          </a:p>
-        </p:txBody>
-      </p:sp>
     </p:spTree>
     <p:extLst>
       <p:ext uri="{BB962C8B-B14F-4D97-AF65-F5344CB8AC3E}">
-        <p14:creationId xmlns:p14="http://schemas.microsoft.com/office/powerpoint/2010/main" val="4257015998"/>
+        <p14:creationId xmlns:p14="http://schemas.microsoft.com/office/powerpoint/2010/main" val="927802039"/>
       </p:ext>
     </p:extLst>
   </p:cSld>
@@ -29731,154 +29002,10 @@
           </a:prstGeom>
         </p:spPr>
       </p:pic>
-      <p:sp>
-        <p:nvSpPr>
-          <p:cNvPr id="8" name="Rectangle 1">
-            <a:extLst>
-              <a:ext uri="{FF2B5EF4-FFF2-40B4-BE49-F238E27FC236}">
-                <a16:creationId xmlns:a16="http://schemas.microsoft.com/office/drawing/2014/main" id="{1A4B0729-7202-4EEF-8AA8-CE95F85BDE0A}"/>
-              </a:ext>
-            </a:extLst>
-          </p:cNvPr>
-          <p:cNvSpPr>
-            <a:spLocks noChangeArrowheads="1"/>
-          </p:cNvSpPr>
-          <p:nvPr/>
-        </p:nvSpPr>
-        <p:spPr bwMode="auto">
-          <a:xfrm>
-            <a:off x="0" y="0"/>
-            <a:ext cx="12192000" cy="457200"/>
-          </a:xfrm>
-          <a:prstGeom prst="rect">
-            <a:avLst/>
-          </a:prstGeom>
-          <a:noFill/>
-          <a:ln>
-            <a:noFill/>
-          </a:ln>
-          <a:effectLst/>
-          <a:extLst>
-            <a:ext uri="{909E8E84-426E-40DD-AFC4-6F175D3DCCD1}">
-              <a14:hiddenFill xmlns:a14="http://schemas.microsoft.com/office/drawing/2010/main">
-                <a:solidFill>
-                  <a:schemeClr val="accent1"/>
-                </a:solidFill>
-              </a14:hiddenFill>
-            </a:ext>
-            <a:ext uri="{91240B29-F687-4F45-9708-019B960494DF}">
-              <a14:hiddenLine xmlns:a14="http://schemas.microsoft.com/office/drawing/2010/main" w="9525">
-                <a:solidFill>
-                  <a:schemeClr val="tx1"/>
-                </a:solidFill>
-                <a:miter lim="800000"/>
-                <a:headEnd/>
-                <a:tailEnd/>
-              </a14:hiddenLine>
-            </a:ext>
-            <a:ext uri="{AF507438-7753-43E0-B8FC-AC1667EBCBE1}">
-              <a14:hiddenEffects xmlns:a14="http://schemas.microsoft.com/office/drawing/2010/main">
-                <a:effectLst>
-                  <a:outerShdw dist="35921" dir="2700000" algn="ctr" rotWithShape="0">
-                    <a:schemeClr val="bg2"/>
-                  </a:outerShdw>
-                </a:effectLst>
-              </a14:hiddenEffects>
-            </a:ext>
-          </a:extLst>
-        </p:spPr>
-        <p:txBody>
-          <a:bodyPr vert="horz" wrap="none" lIns="0" tIns="25392" rIns="0" bIns="25392" numCol="1" anchor="ctr" anchorCtr="0" compatLnSpc="1">
-            <a:prstTxWarp prst="textNoShape">
-              <a:avLst/>
-            </a:prstTxWarp>
-            <a:spAutoFit/>
-          </a:bodyPr>
-          <a:lstStyle/>
-          <a:p>
-            <a:pPr marL="0" marR="0" lvl="0" indent="0" algn="l" defTabSz="914400" rtl="0" eaLnBrk="0" fontAlgn="base" latinLnBrk="0" hangingPunct="0">
-              <a:lnSpc>
-                <a:spcPct val="100000"/>
-              </a:lnSpc>
-              <a:spcBef>
-                <a:spcPct val="0"/>
-              </a:spcBef>
-              <a:spcAft>
-                <a:spcPct val="0"/>
-              </a:spcAft>
-              <a:buClrTx/>
-              <a:buSzTx/>
-              <a:buFontTx/>
-              <a:buNone/>
-              <a:tabLst/>
-            </a:pPr>
-            <a:r>
-              <a:rPr kumimoji="0" lang="en-US" altLang="en-US" sz="900" b="0" i="0" u="none" strike="noStrike" cap="none" normalizeH="0" baseline="0">
-                <a:ln>
-                  <a:noFill/>
-                </a:ln>
-                <a:solidFill>
-                  <a:srgbClr val="1D1C1D"/>
-                </a:solidFill>
-                <a:effectLst/>
-                <a:latin typeface="Monaco"/>
-              </a:rPr>
-              <a:t>Training Data Score: 0.952857604133032</a:t>
-            </a:r>
-            <a:br>
-              <a:rPr kumimoji="0" lang="en-US" altLang="en-US" sz="900" b="0" i="0" u="none" strike="noStrike" cap="none" normalizeH="0" baseline="0">
-                <a:ln>
-                  <a:noFill/>
-                </a:ln>
-                <a:solidFill>
-                  <a:srgbClr val="1D1C1D"/>
-                </a:solidFill>
-                <a:effectLst/>
-                <a:latin typeface="Monaco"/>
-              </a:rPr>
-            </a:br>
-            <a:r>
-              <a:rPr kumimoji="0" lang="en-US" altLang="en-US" sz="900" b="0" i="0" u="none" strike="noStrike" cap="none" normalizeH="0" baseline="0">
-                <a:ln>
-                  <a:noFill/>
-                </a:ln>
-                <a:solidFill>
-                  <a:srgbClr val="1D1C1D"/>
-                </a:solidFill>
-                <a:effectLst/>
-                <a:latin typeface="Monaco"/>
-              </a:rPr>
-              <a:t>Testing Data Score: 0.9380445304937076</a:t>
-            </a:r>
-            <a:r>
-              <a:rPr kumimoji="0" lang="en-US" altLang="en-US" sz="800" b="0" i="0" u="none" strike="noStrike" cap="none" normalizeH="0" baseline="0">
-                <a:ln>
-                  <a:noFill/>
-                </a:ln>
-                <a:solidFill>
-                  <a:schemeClr val="tx1"/>
-                </a:solidFill>
-                <a:effectLst/>
-              </a:rPr>
-              <a:t> </a:t>
-            </a:r>
-            <a:endParaRPr kumimoji="0" lang="en-US" altLang="en-US" sz="1800" b="0" i="0" u="none" strike="noStrike" cap="none" normalizeH="0" baseline="0">
-              <a:ln>
-                <a:noFill/>
-              </a:ln>
-              <a:solidFill>
-                <a:schemeClr val="tx1"/>
-              </a:solidFill>
-              <a:effectLst/>
-              <a:latin typeface="Arial" panose="020B0604020202020204" pitchFamily="34" charset="0"/>
-            </a:endParaRPr>
-          </a:p>
-        </p:txBody>
-      </p:sp>
     </p:spTree>
     <p:extLst>
       <p:ext uri="{BB962C8B-B14F-4D97-AF65-F5344CB8AC3E}">
-        <p14:creationId xmlns:p14="http://schemas.microsoft.com/office/powerpoint/2010/main" val="927802039"/>
+        <p14:creationId xmlns:p14="http://schemas.microsoft.com/office/powerpoint/2010/main" val="2595900034"/>
       </p:ext>
     </p:extLst>
   </p:cSld>
@@ -30750,48 +29877,6 @@
       </p:sp>
       <p:sp>
         <p:nvSpPr>
-          <p:cNvPr id="7" name="Circle">
-            <a:extLst>
-              <a:ext uri="{FF2B5EF4-FFF2-40B4-BE49-F238E27FC236}">
-                <a16:creationId xmlns:a16="http://schemas.microsoft.com/office/drawing/2014/main" id="{A0369040-A77E-402D-9076-D75284E03E76}"/>
-              </a:ext>
-            </a:extLst>
-          </p:cNvPr>
-          <p:cNvSpPr/>
-          <p:nvPr/>
-        </p:nvSpPr>
-        <p:spPr>
-          <a:xfrm>
-            <a:off x="614377" y="5287167"/>
-            <a:ext cx="356787" cy="356787"/>
-          </a:xfrm>
-          <a:prstGeom prst="ellipse">
-            <a:avLst/>
-          </a:prstGeom>
-          <a:solidFill>
-            <a:schemeClr val="accent3"/>
-          </a:solidFill>
-          <a:ln w="12700">
-            <a:miter lim="400000"/>
-          </a:ln>
-        </p:spPr>
-        <p:txBody>
-          <a:bodyPr lIns="38100" tIns="38100" rIns="38100" bIns="38100" anchor="ctr"/>
-          <a:lstStyle/>
-          <a:p>
-            <a:pPr>
-              <a:defRPr sz="3000">
-                <a:solidFill>
-                  <a:srgbClr val="FFFFFF"/>
-                </a:solidFill>
-              </a:defRPr>
-            </a:pPr>
-            <a:endParaRPr/>
-          </a:p>
-        </p:txBody>
-      </p:sp>
-      <p:sp>
-        <p:nvSpPr>
           <p:cNvPr id="8" name="Circle">
             <a:extLst>
               <a:ext uri="{FF2B5EF4-FFF2-40B4-BE49-F238E27FC236}">
@@ -30847,9 +29932,9 @@
         <p:grpSpPr>
           <a:xfrm>
             <a:off x="1272838" y="3479539"/>
-            <a:ext cx="4829182" cy="1474819"/>
+            <a:ext cx="4829182" cy="1167042"/>
             <a:chOff x="8921977" y="1466725"/>
-            <a:chExt cx="2926080" cy="1474819"/>
+            <a:chExt cx="2926080" cy="1167042"/>
           </a:xfrm>
         </p:grpSpPr>
         <p:sp>
@@ -30889,7 +29974,7 @@
                     </a:schemeClr>
                   </a:solidFill>
                 </a:rPr>
-                <a:t>Lorem ipsum</a:t>
+                <a:t>JavaScript</a:t>
               </a:r>
               <a:endParaRPr lang="en-US" sz="2400" b="1" noProof="1"/>
             </a:p>
@@ -30910,7 +29995,7 @@
           <p:spPr>
             <a:xfrm>
               <a:off x="8921977" y="1925881"/>
-              <a:ext cx="2926080" cy="1015663"/>
+              <a:ext cx="2926080" cy="707886"/>
             </a:xfrm>
             <a:prstGeom prst="rect">
               <a:avLst/>
@@ -30923,7 +30008,10 @@
             </a:bodyPr>
             <a:lstStyle/>
             <a:p>
-              <a:pPr algn="just"/>
+              <a:pPr marL="342900" indent="-342900" algn="just">
+                <a:buFont typeface="Courier New" panose="02070309020205020404" pitchFamily="49" charset="0"/>
+                <a:buChar char="o"/>
+              </a:pPr>
               <a:r>
                 <a:rPr lang="en-US" sz="2000" noProof="1">
                   <a:solidFill>
@@ -30933,104 +30021,14 @@
                     </a:schemeClr>
                   </a:solidFill>
                 </a:rPr>
-                <a:t>Lorem ipsum dolor sit amet, nibh est. A magna maecenas, quam magna nec quis, lorem nunc. Suspendisse viverra sodales mauris, cras</a:t>
+                <a:t>Plotly</a:t>
               </a:r>
             </a:p>
-          </p:txBody>
-        </p:sp>
-      </p:grpSp>
-      <p:grpSp>
-        <p:nvGrpSpPr>
-          <p:cNvPr id="12" name="Group 11">
-            <a:extLst>
-              <a:ext uri="{FF2B5EF4-FFF2-40B4-BE49-F238E27FC236}">
-                <a16:creationId xmlns:a16="http://schemas.microsoft.com/office/drawing/2014/main" id="{F704EF55-053F-4B9C-BF55-9ED55D9919F3}"/>
-              </a:ext>
-            </a:extLst>
-          </p:cNvPr>
-          <p:cNvGrpSpPr/>
-          <p:nvPr/>
-        </p:nvGrpSpPr>
-        <p:grpSpPr>
-          <a:xfrm>
-            <a:off x="1272838" y="5184633"/>
-            <a:ext cx="4829182" cy="1474819"/>
-            <a:chOff x="8921977" y="4073386"/>
-            <a:chExt cx="2926080" cy="1474819"/>
-          </a:xfrm>
-        </p:grpSpPr>
-        <p:sp>
-          <p:nvSpPr>
-            <p:cNvPr id="13" name="TextBox 12">
-              <a:extLst>
-                <a:ext uri="{FF2B5EF4-FFF2-40B4-BE49-F238E27FC236}">
-                  <a16:creationId xmlns:a16="http://schemas.microsoft.com/office/drawing/2014/main" id="{ADA713CA-15ED-468A-A889-62302D153DCC}"/>
-                </a:ext>
-              </a:extLst>
-            </p:cNvPr>
-            <p:cNvSpPr txBox="1"/>
-            <p:nvPr/>
-          </p:nvSpPr>
-          <p:spPr>
-            <a:xfrm>
-              <a:off x="8921977" y="4073386"/>
-              <a:ext cx="2926080" cy="461665"/>
-            </a:xfrm>
-            <a:prstGeom prst="rect">
-              <a:avLst/>
-            </a:prstGeom>
-            <a:noFill/>
-          </p:spPr>
-          <p:txBody>
-            <a:bodyPr wrap="square" lIns="0" rIns="0" rtlCol="0" anchor="b">
-              <a:spAutoFit/>
-            </a:bodyPr>
-            <a:lstStyle/>
             <a:p>
-              <a:r>
-                <a:rPr lang="en-US" sz="2400" b="1" noProof="1">
-                  <a:solidFill>
-                    <a:schemeClr val="tx1">
-                      <a:lumMod val="65000"/>
-                      <a:lumOff val="35000"/>
-                    </a:schemeClr>
-                  </a:solidFill>
-                </a:rPr>
-                <a:t>Lorem ipsum</a:t>
-              </a:r>
-              <a:endParaRPr lang="en-US" sz="2400" b="1" noProof="1"/>
-            </a:p>
-          </p:txBody>
-        </p:sp>
-        <p:sp>
-          <p:nvSpPr>
-            <p:cNvPr id="14" name="TextBox 13">
-              <a:extLst>
-                <a:ext uri="{FF2B5EF4-FFF2-40B4-BE49-F238E27FC236}">
-                  <a16:creationId xmlns:a16="http://schemas.microsoft.com/office/drawing/2014/main" id="{D47B4B33-BEB0-494E-9928-73C90857F5DD}"/>
-                </a:ext>
-              </a:extLst>
-            </p:cNvPr>
-            <p:cNvSpPr txBox="1"/>
-            <p:nvPr/>
-          </p:nvSpPr>
-          <p:spPr>
-            <a:xfrm>
-              <a:off x="8921977" y="4532542"/>
-              <a:ext cx="2926080" cy="1015663"/>
-            </a:xfrm>
-            <a:prstGeom prst="rect">
-              <a:avLst/>
-            </a:prstGeom>
-            <a:noFill/>
-          </p:spPr>
-          <p:txBody>
-            <a:bodyPr wrap="square" lIns="0" rIns="0" rtlCol="0" anchor="t">
-              <a:spAutoFit/>
-            </a:bodyPr>
-            <a:lstStyle/>
-            <a:p>
-              <a:pPr algn="just"/>
+              <a:pPr marL="342900" indent="-342900" algn="just">
+                <a:buFont typeface="Courier New" panose="02070309020205020404" pitchFamily="49" charset="0"/>
+                <a:buChar char="o"/>
+              </a:pPr>
               <a:r>
                 <a:rPr lang="en-US" sz="2000" noProof="1">
                   <a:solidFill>
@@ -31040,7 +30038,7 @@
                     </a:schemeClr>
                   </a:solidFill>
                 </a:rPr>
-                <a:t>Lorem ipsum dolor sit amet, nibh est. A magna maecenas, quam magna nec quis, lorem nunc. Suspendisse viverra sodales mauris, cras</a:t>
+                <a:t>AnyChart</a:t>
               </a:r>
             </a:p>
           </p:txBody>
@@ -31061,9 +30059,9 @@
         <p:grpSpPr>
           <a:xfrm>
             <a:off x="1272838" y="1774445"/>
-            <a:ext cx="4829182" cy="1474819"/>
+            <a:ext cx="4829182" cy="1167042"/>
             <a:chOff x="8921977" y="1466725"/>
-            <a:chExt cx="2926080" cy="1474819"/>
+            <a:chExt cx="2926080" cy="1167042"/>
           </a:xfrm>
         </p:grpSpPr>
         <p:sp>
@@ -31103,7 +30101,7 @@
                     </a:schemeClr>
                   </a:solidFill>
                 </a:rPr>
-                <a:t>Lorem ipsum</a:t>
+                <a:t>HTML</a:t>
               </a:r>
               <a:endParaRPr lang="en-US" sz="2400" b="1" noProof="1"/>
             </a:p>
@@ -31124,7 +30122,7 @@
           <p:spPr>
             <a:xfrm>
               <a:off x="8921977" y="1925881"/>
-              <a:ext cx="2926080" cy="1015663"/>
+              <a:ext cx="2926080" cy="707886"/>
             </a:xfrm>
             <a:prstGeom prst="rect">
               <a:avLst/>
@@ -31137,7 +30135,10 @@
             </a:bodyPr>
             <a:lstStyle/>
             <a:p>
-              <a:pPr algn="just"/>
+              <a:pPr marL="342900" indent="-342900" algn="just">
+                <a:buFont typeface="Courier New" panose="02070309020205020404" pitchFamily="49" charset="0"/>
+                <a:buChar char="o"/>
+              </a:pPr>
               <a:r>
                 <a:rPr lang="en-US" sz="2000" noProof="1">
                   <a:solidFill>
@@ -31147,18 +30148,62 @@
                     </a:schemeClr>
                   </a:solidFill>
                 </a:rPr>
-                <a:t>Lorem ipsum dolor sit amet, nibh est. A magna maecenas, quam magna nec quis, lorem nunc. Suspendisse viverra sodales mauris, cras</a:t>
+                <a:t>Bootstrap</a:t>
               </a:r>
+            </a:p>
+            <a:p>
+              <a:pPr marL="342900" indent="-342900" algn="just">
+                <a:buFont typeface="Courier New" panose="02070309020205020404" pitchFamily="49" charset="0"/>
+                <a:buChar char="o"/>
+              </a:pPr>
+              <a:endParaRPr lang="en-US" sz="2000" noProof="1">
+                <a:solidFill>
+                  <a:schemeClr val="tx1">
+                    <a:lumMod val="65000"/>
+                    <a:lumOff val="35000"/>
+                  </a:schemeClr>
+                </a:solidFill>
+              </a:endParaRPr>
             </a:p>
           </p:txBody>
         </p:sp>
       </p:grpSp>
+      <p:pic>
+        <p:nvPicPr>
+          <p:cNvPr id="18" name="Picture 17">
+            <a:extLst>
+              <a:ext uri="{FF2B5EF4-FFF2-40B4-BE49-F238E27FC236}">
+                <a16:creationId xmlns:a16="http://schemas.microsoft.com/office/drawing/2014/main" id="{54B52EF3-318B-4D58-A12F-513208BA84E6}"/>
+              </a:ext>
+            </a:extLst>
+          </p:cNvPr>
+          <p:cNvPicPr>
+            <a:picLocks noChangeAspect="1"/>
+          </p:cNvPicPr>
+          <p:nvPr/>
+        </p:nvPicPr>
+        <p:blipFill>
+          <a:blip r:embed="rId3"/>
+          <a:stretch>
+            <a:fillRect/>
+          </a:stretch>
+        </p:blipFill>
+        <p:spPr>
+          <a:xfrm>
+            <a:off x="4340908" y="1774445"/>
+            <a:ext cx="6901845" cy="4616696"/>
+          </a:xfrm>
+          <a:prstGeom prst="rect">
+            <a:avLst/>
+          </a:prstGeom>
+        </p:spPr>
+      </p:pic>
       <p:sp>
         <p:nvSpPr>
-          <p:cNvPr id="19" name="Rectangle 18">
+          <p:cNvPr id="14" name="Circle">
             <a:extLst>
               <a:ext uri="{FF2B5EF4-FFF2-40B4-BE49-F238E27FC236}">
-                <a16:creationId xmlns:a16="http://schemas.microsoft.com/office/drawing/2014/main" id="{B5F36F88-94B4-4AB6-9EFA-66E25F977B35}"/>
+                <a16:creationId xmlns:a16="http://schemas.microsoft.com/office/drawing/2014/main" id="{9FAD7796-3904-4B5D-A2CD-AED51E200A9E}"/>
               </a:ext>
             </a:extLst>
           </p:cNvPr>
@@ -31167,35 +30212,31 @@
         </p:nvSpPr>
         <p:spPr>
           <a:xfrm>
-            <a:off x="6748441" y="1832962"/>
-            <a:ext cx="5089063" cy="4826490"/>
+            <a:off x="614377" y="5287167"/>
+            <a:ext cx="356787" cy="356787"/>
           </a:xfrm>
-          <a:prstGeom prst="rect">
+          <a:prstGeom prst="ellipse">
             <a:avLst/>
           </a:prstGeom>
+          <a:solidFill>
+            <a:schemeClr val="accent3"/>
+          </a:solidFill>
+          <a:ln w="12700">
+            <a:miter lim="400000"/>
+          </a:ln>
         </p:spPr>
-        <p:style>
-          <a:lnRef idx="2">
-            <a:schemeClr val="accent1">
-              <a:shade val="50000"/>
-            </a:schemeClr>
-          </a:lnRef>
-          <a:fillRef idx="1">
-            <a:schemeClr val="accent1"/>
-          </a:fillRef>
-          <a:effectRef idx="0">
-            <a:schemeClr val="accent1"/>
-          </a:effectRef>
-          <a:fontRef idx="minor">
-            <a:schemeClr val="lt1"/>
-          </a:fontRef>
-        </p:style>
         <p:txBody>
-          <a:bodyPr rtlCol="0" anchor="ctr"/>
+          <a:bodyPr lIns="38100" tIns="38100" rIns="38100" bIns="38100" anchor="ctr"/>
           <a:lstStyle/>
           <a:p>
-            <a:pPr algn="ctr"/>
-            <a:endParaRPr lang="en-US"/>
+            <a:pPr>
+              <a:defRPr sz="3000">
+                <a:solidFill>
+                  <a:srgbClr val="FFFFFF"/>
+                </a:solidFill>
+              </a:defRPr>
+            </a:pPr>
+            <a:endParaRPr/>
           </a:p>
         </p:txBody>
       </p:sp>
@@ -31204,7 +30245,7 @@
           <p:cNvPr id="20" name="TextBox 19">
             <a:extLst>
               <a:ext uri="{FF2B5EF4-FFF2-40B4-BE49-F238E27FC236}">
-                <a16:creationId xmlns:a16="http://schemas.microsoft.com/office/drawing/2014/main" id="{E8D74F5E-1FA7-4EE9-9EB8-338636F6B35D}"/>
+                <a16:creationId xmlns:a16="http://schemas.microsoft.com/office/drawing/2014/main" id="{FA00CD7B-F89B-4197-B57E-C6E3C6F31406}"/>
               </a:ext>
             </a:extLst>
           </p:cNvPr>
@@ -31213,8 +30254,8 @@
         </p:nvSpPr>
         <p:spPr>
           <a:xfrm>
-            <a:off x="6887817" y="2189749"/>
-            <a:ext cx="4689806" cy="369332"/>
+            <a:off x="1184987" y="5224099"/>
+            <a:ext cx="4829182" cy="461665"/>
           </a:xfrm>
           <a:prstGeom prst="rect">
             <a:avLst/>
@@ -31222,16 +30263,23 @@
           <a:noFill/>
         </p:spPr>
         <p:txBody>
-          <a:bodyPr wrap="square" rtlCol="0">
+          <a:bodyPr wrap="square" lIns="0" rIns="0" rtlCol="0" anchor="b">
             <a:spAutoFit/>
           </a:bodyPr>
           <a:lstStyle/>
           <a:p>
-            <a:pPr algn="ctr"/>
             <a:r>
-              <a:rPr lang="en-US" dirty="0"/>
-              <a:t>Add Visualization</a:t>
+              <a:rPr lang="en-US" sz="2400" b="1" noProof="1">
+                <a:solidFill>
+                  <a:schemeClr val="tx1">
+                    <a:lumMod val="65000"/>
+                    <a:lumOff val="35000"/>
+                  </a:schemeClr>
+                </a:solidFill>
+              </a:rPr>
+              <a:t>CSS</a:t>
             </a:r>
+            <a:endParaRPr lang="en-US" sz="2400" b="1" noProof="1"/>
           </a:p>
         </p:txBody>
       </p:sp>
